--- a/presentations/11 - TDD - Baby steps ou nao.pptx
+++ b/presentations/11 - TDD - Baby steps ou nao.pptx
@@ -5,20 +5,23 @@
     <p:sldMasterId id="2147483668" r:id="rId4"/>
   </p:sldMasterIdLst>
   <p:notesMasterIdLst>
-    <p:notesMasterId r:id="rId13"/>
+    <p:notesMasterId r:id="rId16"/>
   </p:notesMasterIdLst>
   <p:handoutMasterIdLst>
-    <p:handoutMasterId r:id="rId14"/>
+    <p:handoutMasterId r:id="rId17"/>
   </p:handoutMasterIdLst>
   <p:sldIdLst>
     <p:sldId id="285" r:id="rId5"/>
     <p:sldId id="274" r:id="rId6"/>
     <p:sldId id="300" r:id="rId7"/>
     <p:sldId id="287" r:id="rId8"/>
-    <p:sldId id="322" r:id="rId9"/>
-    <p:sldId id="321" r:id="rId10"/>
-    <p:sldId id="319" r:id="rId11"/>
-    <p:sldId id="283" r:id="rId12"/>
+    <p:sldId id="324" r:id="rId9"/>
+    <p:sldId id="325" r:id="rId10"/>
+    <p:sldId id="323" r:id="rId11"/>
+    <p:sldId id="322" r:id="rId12"/>
+    <p:sldId id="321" r:id="rId13"/>
+    <p:sldId id="319" r:id="rId14"/>
+    <p:sldId id="283" r:id="rId15"/>
   </p:sldIdLst>
   <p:sldSz cx="12192000" cy="6858000"/>
   <p:notesSz cx="6858000" cy="9144000"/>
@@ -228,7 +231,7 @@
             <a:fld id="{9DEF996C-CA2C-436E-A903-7F2E7C68ADF8}" type="datetimeFigureOut">
               <a:rPr lang="en-US" smtClean="0"/>
               <a:pPr/>
-              <a:t>7/6/2020</a:t>
+              <a:t>7/20/2020</a:t>
             </a:fld>
             <a:endParaRPr lang="en-US"/>
           </a:p>
@@ -395,7 +398,7 @@
             <a:fld id="{56D6514A-F4CA-40F5-B508-6CC5FEA6DD64}" type="datetimeFigureOut">
               <a:rPr lang="en-US" smtClean="0"/>
               <a:pPr/>
-              <a:t>7/6/2020</a:t>
+              <a:t>7/20/2020</a:t>
             </a:fld>
             <a:endParaRPr lang="en-US"/>
           </a:p>
@@ -855,7 +858,7 @@
           <a:p>
             <a:fld id="{0A0255A0-EE2B-6E49-A611-C16850102233}" type="datetimeFigureOut">
               <a:rPr lang="en-US" smtClean="0"/>
-              <a:t>7/6/2020</a:t>
+              <a:t>7/20/2020</a:t>
             </a:fld>
             <a:endParaRPr lang="en-US"/>
           </a:p>
@@ -1049,7 +1052,7 @@
           <a:p>
             <a:fld id="{0A0255A0-EE2B-6E49-A611-C16850102233}" type="datetimeFigureOut">
               <a:rPr lang="en-US" smtClean="0"/>
-              <a:t>7/6/2020</a:t>
+              <a:t>7/20/2020</a:t>
             </a:fld>
             <a:endParaRPr lang="en-US"/>
           </a:p>
@@ -1253,7 +1256,7 @@
           <a:p>
             <a:fld id="{0A0255A0-EE2B-6E49-A611-C16850102233}" type="datetimeFigureOut">
               <a:rPr lang="en-US" smtClean="0"/>
-              <a:t>7/6/2020</a:t>
+              <a:t>7/20/2020</a:t>
             </a:fld>
             <a:endParaRPr lang="en-US"/>
           </a:p>
@@ -3259,7 +3262,7 @@
           <a:p>
             <a:fld id="{0A0255A0-EE2B-6E49-A611-C16850102233}" type="datetimeFigureOut">
               <a:rPr lang="en-US" smtClean="0"/>
-              <a:t>7/6/2020</a:t>
+              <a:t>7/20/2020</a:t>
             </a:fld>
             <a:endParaRPr lang="en-US"/>
           </a:p>
@@ -3529,7 +3532,7 @@
           <a:p>
             <a:fld id="{0A0255A0-EE2B-6E49-A611-C16850102233}" type="datetimeFigureOut">
               <a:rPr lang="en-US" smtClean="0"/>
-              <a:t>7/6/2020</a:t>
+              <a:t>7/20/2020</a:t>
             </a:fld>
             <a:endParaRPr lang="en-US"/>
           </a:p>
@@ -3841,7 +3844,7 @@
           <a:p>
             <a:fld id="{0A0255A0-EE2B-6E49-A611-C16850102233}" type="datetimeFigureOut">
               <a:rPr lang="en-US" smtClean="0"/>
-              <a:t>7/6/2020</a:t>
+              <a:t>7/20/2020</a:t>
             </a:fld>
             <a:endParaRPr lang="en-US"/>
           </a:p>
@@ -4287,7 +4290,7 @@
           <a:p>
             <a:fld id="{0A0255A0-EE2B-6E49-A611-C16850102233}" type="datetimeFigureOut">
               <a:rPr lang="en-US" smtClean="0"/>
-              <a:t>7/6/2020</a:t>
+              <a:t>7/20/2020</a:t>
             </a:fld>
             <a:endParaRPr lang="en-US"/>
           </a:p>
@@ -4429,7 +4432,7 @@
           <a:p>
             <a:fld id="{0A0255A0-EE2B-6E49-A611-C16850102233}" type="datetimeFigureOut">
               <a:rPr lang="en-US" smtClean="0"/>
-              <a:t>7/6/2020</a:t>
+              <a:t>7/20/2020</a:t>
             </a:fld>
             <a:endParaRPr lang="en-US"/>
           </a:p>
@@ -4548,7 +4551,7 @@
           <a:p>
             <a:fld id="{0A0255A0-EE2B-6E49-A611-C16850102233}" type="datetimeFigureOut">
               <a:rPr lang="en-US" smtClean="0"/>
-              <a:t>7/6/2020</a:t>
+              <a:t>7/20/2020</a:t>
             </a:fld>
             <a:endParaRPr lang="en-US"/>
           </a:p>
@@ -4849,7 +4852,7 @@
           <a:p>
             <a:fld id="{0A0255A0-EE2B-6E49-A611-C16850102233}" type="datetimeFigureOut">
               <a:rPr lang="en-US" smtClean="0"/>
-              <a:t>7/6/2020</a:t>
+              <a:t>7/20/2020</a:t>
             </a:fld>
             <a:endParaRPr lang="en-US"/>
           </a:p>
@@ -5126,7 +5129,7 @@
           <a:p>
             <a:fld id="{0A0255A0-EE2B-6E49-A611-C16850102233}" type="datetimeFigureOut">
               <a:rPr lang="en-US" smtClean="0"/>
-              <a:t>7/6/2020</a:t>
+              <a:t>7/20/2020</a:t>
             </a:fld>
             <a:endParaRPr lang="en-US"/>
           </a:p>
@@ -6469,7 +6472,7 @@
 </p:sld>
 </file>
 
-<file path=ppt/slides/slide2.xml><?xml version="1.0" encoding="utf-8"?>
+<file path=ppt/slides/slide10.xml><?xml version="1.0" encoding="utf-8"?>
 <p:sld xmlns:a="http://schemas.openxmlformats.org/drawingml/2006/main" xmlns:r="http://schemas.openxmlformats.org/officeDocument/2006/relationships" xmlns:p="http://schemas.openxmlformats.org/presentationml/2006/main">
   <p:cSld>
     <p:spTree>
@@ -6488,1264 +6491,6 @@
       </p:grpSpPr>
       <p:sp>
         <p:nvSpPr>
-          <p:cNvPr id="9" name="Rectangle: Rounded Corners 8">
-            <a:extLst>
-              <a:ext uri="{FF2B5EF4-FFF2-40B4-BE49-F238E27FC236}">
-                <a16:creationId xmlns:a16="http://schemas.microsoft.com/office/drawing/2014/main" id="{DEB0C2FC-B554-41B9-B146-946E13444DBB}"/>
-              </a:ext>
-            </a:extLst>
-          </p:cNvPr>
-          <p:cNvSpPr/>
-          <p:nvPr/>
-        </p:nvSpPr>
-        <p:spPr>
-          <a:xfrm>
-            <a:off x="3186350" y="2620558"/>
-            <a:ext cx="2448272" cy="1800200"/>
-          </a:xfrm>
-          <a:prstGeom prst="roundRect">
-            <a:avLst/>
-          </a:prstGeom>
-          <a:ln/>
-        </p:spPr>
-        <p:style>
-          <a:lnRef idx="1">
-            <a:schemeClr val="accent3"/>
-          </a:lnRef>
-          <a:fillRef idx="3">
-            <a:schemeClr val="accent3"/>
-          </a:fillRef>
-          <a:effectRef idx="2">
-            <a:schemeClr val="accent3"/>
-          </a:effectRef>
-          <a:fontRef idx="minor">
-            <a:schemeClr val="lt1"/>
-          </a:fontRef>
-        </p:style>
-        <p:txBody>
-          <a:bodyPr rtlCol="0" anchor="ctr"/>
-          <a:lstStyle/>
-          <a:p>
-            <a:pPr algn="ctr"/>
-            <a:endParaRPr lang="pt-BR" b="1" dirty="0"/>
-          </a:p>
-        </p:txBody>
-      </p:sp>
-      <p:sp>
-        <p:nvSpPr>
-          <p:cNvPr id="26" name="Espaço Reservado para Texto 25"/>
-          <p:cNvSpPr>
-            <a:spLocks noGrp="1"/>
-          </p:cNvSpPr>
-          <p:nvPr>
-            <p:ph type="body" sz="quarter" idx="16"/>
-          </p:nvPr>
-        </p:nvSpPr>
-        <p:spPr>
-          <a:xfrm>
-            <a:off x="335358" y="1428604"/>
-            <a:ext cx="11040533" cy="632244"/>
-          </a:xfrm>
-        </p:spPr>
-        <p:txBody>
-          <a:bodyPr>
-            <a:normAutofit/>
-          </a:bodyPr>
-          <a:lstStyle/>
-          <a:p>
-            <a:pPr algn="ctr"/>
-            <a:r>
-              <a:rPr lang="da-DK" sz="1800" dirty="0">
-                <a:solidFill>
-                  <a:srgbClr val="123274"/>
-                </a:solidFill>
-                <a:latin typeface="Segoe UI" panose="020B0502040204020203" pitchFamily="34" charset="0"/>
-                <a:cs typeface="Segoe UI" panose="020B0502040204020203" pitchFamily="34" charset="0"/>
-              </a:rPr>
-              <a:t>TDD vs BDD</a:t>
-            </a:r>
-            <a:endParaRPr lang="pt-BR" sz="1800" dirty="0">
-              <a:solidFill>
-                <a:srgbClr val="123274"/>
-              </a:solidFill>
-              <a:latin typeface="Segoe UI" panose="020B0502040204020203" pitchFamily="34" charset="0"/>
-              <a:cs typeface="Segoe UI" panose="020B0502040204020203" pitchFamily="34" charset="0"/>
-            </a:endParaRPr>
-          </a:p>
-        </p:txBody>
-      </p:sp>
-      <p:sp>
-        <p:nvSpPr>
-          <p:cNvPr id="4" name="Título 2"/>
-          <p:cNvSpPr>
-            <a:spLocks noGrp="1"/>
-          </p:cNvSpPr>
-          <p:nvPr>
-            <p:ph type="title"/>
-          </p:nvPr>
-        </p:nvSpPr>
-        <p:spPr/>
-        <p:txBody>
-          <a:bodyPr/>
-          <a:lstStyle/>
-          <a:p>
-            <a:r>
-              <a:rPr lang="pt-BR" dirty="0">
-                <a:latin typeface="Segoe UI" panose="020B0502040204020203" pitchFamily="34" charset="0"/>
-                <a:cs typeface="Segoe UI" panose="020B0502040204020203" pitchFamily="34" charset="0"/>
-              </a:rPr>
-              <a:t>Recapitulando...</a:t>
-            </a:r>
-          </a:p>
-        </p:txBody>
-      </p:sp>
-      <p:sp>
-        <p:nvSpPr>
-          <p:cNvPr id="8" name="Rectangle: Rounded Corners 7">
-            <a:extLst>
-              <a:ext uri="{FF2B5EF4-FFF2-40B4-BE49-F238E27FC236}">
-                <a16:creationId xmlns:a16="http://schemas.microsoft.com/office/drawing/2014/main" id="{F6801986-AF4D-458C-A4FB-E08BB86D6999}"/>
-              </a:ext>
-            </a:extLst>
-          </p:cNvPr>
-          <p:cNvSpPr/>
-          <p:nvPr/>
-        </p:nvSpPr>
-        <p:spPr>
-          <a:xfrm>
-            <a:off x="6064583" y="2620558"/>
-            <a:ext cx="2448272" cy="1800200"/>
-          </a:xfrm>
-          <a:prstGeom prst="roundRect">
-            <a:avLst/>
-          </a:prstGeom>
-          <a:ln/>
-        </p:spPr>
-        <p:style>
-          <a:lnRef idx="1">
-            <a:schemeClr val="accent3"/>
-          </a:lnRef>
-          <a:fillRef idx="3">
-            <a:schemeClr val="accent3"/>
-          </a:fillRef>
-          <a:effectRef idx="2">
-            <a:schemeClr val="accent3"/>
-          </a:effectRef>
-          <a:fontRef idx="minor">
-            <a:schemeClr val="lt1"/>
-          </a:fontRef>
-        </p:style>
-        <p:txBody>
-          <a:bodyPr rtlCol="0" anchor="ctr"/>
-          <a:lstStyle/>
-          <a:p>
-            <a:pPr algn="ctr"/>
-            <a:r>
-              <a:rPr lang="pt-BR" b="1" dirty="0"/>
-              <a:t>Double loop</a:t>
-            </a:r>
-          </a:p>
-        </p:txBody>
-      </p:sp>
-      <p:grpSp>
-        <p:nvGrpSpPr>
-          <p:cNvPr id="7" name="Group 6">
-            <a:extLst>
-              <a:ext uri="{FF2B5EF4-FFF2-40B4-BE49-F238E27FC236}">
-                <a16:creationId xmlns:a16="http://schemas.microsoft.com/office/drawing/2014/main" id="{EF1DA4D5-8E5D-40F3-9C82-6B0C445F518B}"/>
-              </a:ext>
-            </a:extLst>
-          </p:cNvPr>
-          <p:cNvGrpSpPr/>
-          <p:nvPr/>
-        </p:nvGrpSpPr>
-        <p:grpSpPr>
-          <a:xfrm>
-            <a:off x="3263813" y="2944594"/>
-            <a:ext cx="2292229" cy="1152128"/>
-            <a:chOff x="3363320" y="3429000"/>
-            <a:chExt cx="2292229" cy="1152128"/>
-          </a:xfrm>
-        </p:grpSpPr>
-        <p:sp>
-          <p:nvSpPr>
-            <p:cNvPr id="16" name="Oval 15">
-              <a:extLst>
-                <a:ext uri="{FF2B5EF4-FFF2-40B4-BE49-F238E27FC236}">
-                  <a16:creationId xmlns:a16="http://schemas.microsoft.com/office/drawing/2014/main" id="{BE9558AB-518B-466D-B5F2-339DEDB45357}"/>
-                </a:ext>
-              </a:extLst>
-            </p:cNvPr>
-            <p:cNvSpPr/>
-            <p:nvPr/>
-          </p:nvSpPr>
-          <p:spPr>
-            <a:xfrm>
-              <a:off x="3363320" y="3429000"/>
-              <a:ext cx="1357333" cy="1152128"/>
-            </a:xfrm>
-            <a:prstGeom prst="ellipse">
-              <a:avLst/>
-            </a:prstGeom>
-            <a:solidFill>
-              <a:schemeClr val="tx2">
-                <a:lumMod val="60000"/>
-                <a:lumOff val="40000"/>
-                <a:alpha val="40000"/>
-              </a:schemeClr>
-            </a:solidFill>
-            <a:ln>
-              <a:noFill/>
-            </a:ln>
-            <a:effectLst/>
-          </p:spPr>
-          <p:style>
-            <a:lnRef idx="1">
-              <a:schemeClr val="accent1"/>
-            </a:lnRef>
-            <a:fillRef idx="3">
-              <a:schemeClr val="accent1"/>
-            </a:fillRef>
-            <a:effectRef idx="2">
-              <a:schemeClr val="accent1"/>
-            </a:effectRef>
-            <a:fontRef idx="minor">
-              <a:schemeClr val="lt1"/>
-            </a:fontRef>
-          </p:style>
-          <p:txBody>
-            <a:bodyPr rtlCol="0" anchor="t"/>
-            <a:lstStyle/>
-            <a:p>
-              <a:pPr algn="ctr"/>
-              <a:r>
-                <a:rPr lang="pt-BR" sz="1600" dirty="0"/>
-                <a:t>TDD</a:t>
-              </a:r>
-            </a:p>
-          </p:txBody>
-        </p:sp>
-        <p:sp>
-          <p:nvSpPr>
-            <p:cNvPr id="18" name="Oval 17">
-              <a:extLst>
-                <a:ext uri="{FF2B5EF4-FFF2-40B4-BE49-F238E27FC236}">
-                  <a16:creationId xmlns:a16="http://schemas.microsoft.com/office/drawing/2014/main" id="{2E21B390-EC40-47B2-835D-23AB0D5E5A3E}"/>
-                </a:ext>
-              </a:extLst>
-            </p:cNvPr>
-            <p:cNvSpPr/>
-            <p:nvPr/>
-          </p:nvSpPr>
-          <p:spPr>
-            <a:xfrm>
-              <a:off x="4280614" y="3429000"/>
-              <a:ext cx="1374935" cy="1152128"/>
-            </a:xfrm>
-            <a:prstGeom prst="ellipse">
-              <a:avLst/>
-            </a:prstGeom>
-            <a:solidFill>
-              <a:srgbClr val="92D050">
-                <a:alpha val="40000"/>
-              </a:srgbClr>
-            </a:solidFill>
-            <a:ln>
-              <a:noFill/>
-            </a:ln>
-            <a:effectLst/>
-          </p:spPr>
-          <p:style>
-            <a:lnRef idx="1">
-              <a:schemeClr val="accent1"/>
-            </a:lnRef>
-            <a:fillRef idx="3">
-              <a:schemeClr val="accent1"/>
-            </a:fillRef>
-            <a:effectRef idx="2">
-              <a:schemeClr val="accent1"/>
-            </a:effectRef>
-            <a:fontRef idx="minor">
-              <a:schemeClr val="lt1"/>
-            </a:fontRef>
-          </p:style>
-          <p:txBody>
-            <a:bodyPr rtlCol="0" anchor="t"/>
-            <a:lstStyle/>
-            <a:p>
-              <a:pPr algn="ctr"/>
-              <a:r>
-                <a:rPr lang="pt-BR" sz="1600" dirty="0"/>
-                <a:t>BDD</a:t>
-              </a:r>
-            </a:p>
-          </p:txBody>
-        </p:sp>
-      </p:grpSp>
-    </p:spTree>
-    <p:extLst>
-      <p:ext uri="{BB962C8B-B14F-4D97-AF65-F5344CB8AC3E}">
-        <p14:creationId xmlns:p14="http://schemas.microsoft.com/office/powerpoint/2010/main" val="3695790986"/>
-      </p:ext>
-    </p:extLst>
-  </p:cSld>
-  <p:clrMapOvr>
-    <a:masterClrMapping/>
-  </p:clrMapOvr>
-  <p:transition>
-    <p:fade thruBlk="1"/>
-  </p:transition>
-</p:sld>
-</file>
-
-<file path=ppt/slides/slide3.xml><?xml version="1.0" encoding="utf-8"?>
-<p:sld xmlns:a="http://schemas.openxmlformats.org/drawingml/2006/main" xmlns:r="http://schemas.openxmlformats.org/officeDocument/2006/relationships" xmlns:p="http://schemas.openxmlformats.org/presentationml/2006/main">
-  <p:cSld>
-    <p:spTree>
-      <p:nvGrpSpPr>
-        <p:cNvPr id="1" name=""/>
-        <p:cNvGrpSpPr/>
-        <p:nvPr/>
-      </p:nvGrpSpPr>
-      <p:grpSpPr>
-        <a:xfrm>
-          <a:off x="0" y="0"/>
-          <a:ext cx="0" cy="0"/>
-          <a:chOff x="0" y="0"/>
-          <a:chExt cx="0" cy="0"/>
-        </a:xfrm>
-      </p:grpSpPr>
-      <p:sp>
-        <p:nvSpPr>
-          <p:cNvPr id="6" name="Rectangle 13"/>
-          <p:cNvSpPr/>
-          <p:nvPr/>
-        </p:nvSpPr>
-        <p:spPr>
-          <a:xfrm>
-            <a:off x="335360" y="3077189"/>
-            <a:ext cx="9865096" cy="639278"/>
-          </a:xfrm>
-          <a:prstGeom prst="rect">
-            <a:avLst/>
-          </a:prstGeom>
-        </p:spPr>
-        <p:txBody>
-          <a:bodyPr wrap="square" anchor="ctr">
-            <a:spAutoFit/>
-          </a:bodyPr>
-          <a:lstStyle/>
-          <a:p>
-            <a:pPr lvl="0">
-              <a:lnSpc>
-                <a:spcPts val="4600"/>
-              </a:lnSpc>
-            </a:pPr>
-            <a:r>
-              <a:rPr lang="pt-BR" sz="3600" dirty="0">
-                <a:solidFill>
-                  <a:srgbClr val="FFFFFF"/>
-                </a:solidFill>
-                <a:latin typeface="Segoe UI" panose="020B0502040204020203" pitchFamily="34" charset="0"/>
-                <a:cs typeface="Segoe UI" panose="020B0502040204020203" pitchFamily="34" charset="0"/>
-              </a:rPr>
-              <a:t>TDD – Baby </a:t>
-            </a:r>
-            <a:r>
-              <a:rPr lang="pt-BR" sz="3600" dirty="0" err="1">
-                <a:solidFill>
-                  <a:srgbClr val="FFFFFF"/>
-                </a:solidFill>
-                <a:latin typeface="Segoe UI" panose="020B0502040204020203" pitchFamily="34" charset="0"/>
-                <a:cs typeface="Segoe UI" panose="020B0502040204020203" pitchFamily="34" charset="0"/>
-              </a:rPr>
-              <a:t>Steps</a:t>
-            </a:r>
-            <a:r>
-              <a:rPr lang="pt-BR" sz="3600" dirty="0">
-                <a:solidFill>
-                  <a:srgbClr val="FFFFFF"/>
-                </a:solidFill>
-                <a:latin typeface="Segoe UI" panose="020B0502040204020203" pitchFamily="34" charset="0"/>
-                <a:cs typeface="Segoe UI" panose="020B0502040204020203" pitchFamily="34" charset="0"/>
-              </a:rPr>
-              <a:t> ou não</a:t>
-            </a:r>
-            <a:endParaRPr lang="en-US" sz="3600" dirty="0">
-              <a:solidFill>
-                <a:srgbClr val="FFFFFF"/>
-              </a:solidFill>
-              <a:latin typeface="Segoe UI" panose="020B0502040204020203" pitchFamily="34" charset="0"/>
-              <a:cs typeface="Segoe UI" panose="020B0502040204020203" pitchFamily="34" charset="0"/>
-            </a:endParaRPr>
-          </a:p>
-        </p:txBody>
-      </p:sp>
-    </p:spTree>
-    <p:extLst>
-      <p:ext uri="{BB962C8B-B14F-4D97-AF65-F5344CB8AC3E}">
-        <p14:creationId xmlns:p14="http://schemas.microsoft.com/office/powerpoint/2010/main" val="2940308037"/>
-      </p:ext>
-    </p:extLst>
-  </p:cSld>
-  <p:clrMapOvr>
-    <a:masterClrMapping/>
-  </p:clrMapOvr>
-  <p:transition>
-    <p:fade thruBlk="1"/>
-  </p:transition>
-</p:sld>
-</file>
-
-<file path=ppt/slides/slide4.xml><?xml version="1.0" encoding="utf-8"?>
-<p:sld xmlns:a="http://schemas.openxmlformats.org/drawingml/2006/main" xmlns:r="http://schemas.openxmlformats.org/officeDocument/2006/relationships" xmlns:p="http://schemas.openxmlformats.org/presentationml/2006/main">
-  <p:cSld>
-    <p:spTree>
-      <p:nvGrpSpPr>
-        <p:cNvPr id="1" name=""/>
-        <p:cNvGrpSpPr/>
-        <p:nvPr/>
-      </p:nvGrpSpPr>
-      <p:grpSpPr>
-        <a:xfrm>
-          <a:off x="0" y="0"/>
-          <a:ext cx="0" cy="0"/>
-          <a:chOff x="0" y="0"/>
-          <a:chExt cx="0" cy="0"/>
-        </a:xfrm>
-      </p:grpSpPr>
-      <p:sp>
-        <p:nvSpPr>
-          <p:cNvPr id="2" name="Título 1"/>
-          <p:cNvSpPr>
-            <a:spLocks noGrp="1"/>
-          </p:cNvSpPr>
-          <p:nvPr>
-            <p:ph type="title"/>
-          </p:nvPr>
-        </p:nvSpPr>
-        <p:spPr/>
-        <p:txBody>
-          <a:bodyPr/>
-          <a:lstStyle/>
-          <a:p>
-            <a:r>
-              <a:rPr lang="pt-BR" dirty="0">
-                <a:latin typeface="Segoe UI" panose="020B0502040204020203" pitchFamily="34" charset="0"/>
-                <a:cs typeface="Segoe UI" panose="020B0502040204020203" pitchFamily="34" charset="0"/>
-              </a:rPr>
-              <a:t>TDD – Baby </a:t>
-            </a:r>
-            <a:r>
-              <a:rPr lang="pt-BR" dirty="0" err="1">
-                <a:latin typeface="Segoe UI" panose="020B0502040204020203" pitchFamily="34" charset="0"/>
-                <a:cs typeface="Segoe UI" panose="020B0502040204020203" pitchFamily="34" charset="0"/>
-              </a:rPr>
-              <a:t>Steps</a:t>
-            </a:r>
-            <a:r>
-              <a:rPr lang="pt-BR" dirty="0">
-                <a:latin typeface="Segoe UI" panose="020B0502040204020203" pitchFamily="34" charset="0"/>
-                <a:cs typeface="Segoe UI" panose="020B0502040204020203" pitchFamily="34" charset="0"/>
-              </a:rPr>
-              <a:t> ou não</a:t>
-            </a:r>
-          </a:p>
-        </p:txBody>
-      </p:sp>
-      <p:sp>
-        <p:nvSpPr>
-          <p:cNvPr id="8" name="Rectangle 1">
-            <a:extLst>
-              <a:ext uri="{FF2B5EF4-FFF2-40B4-BE49-F238E27FC236}">
-                <a16:creationId xmlns:a16="http://schemas.microsoft.com/office/drawing/2014/main" id="{D1C8E084-D956-4743-B86A-152BAE7B22D2}"/>
-              </a:ext>
-            </a:extLst>
-          </p:cNvPr>
-          <p:cNvSpPr/>
-          <p:nvPr/>
-        </p:nvSpPr>
-        <p:spPr>
-          <a:xfrm>
-            <a:off x="1257794" y="1859339"/>
-            <a:ext cx="9042408" cy="3139321"/>
-          </a:xfrm>
-          <a:prstGeom prst="rect">
-            <a:avLst/>
-          </a:prstGeom>
-        </p:spPr>
-        <p:txBody>
-          <a:bodyPr wrap="square">
-            <a:spAutoFit/>
-          </a:bodyPr>
-          <a:lstStyle/>
-          <a:p>
-            <a:pPr marL="285750" indent="-285750" algn="just">
-              <a:buFont typeface="Wingdings" panose="05000000000000000000" pitchFamily="2" charset="2"/>
-              <a:buChar char="ü"/>
-            </a:pPr>
-            <a:r>
-              <a:rPr lang="pt-BR" dirty="0">
-                <a:solidFill>
-                  <a:srgbClr val="123274"/>
-                </a:solidFill>
-                <a:latin typeface="Segoe UI" panose="020B0502040204020203" pitchFamily="34" charset="0"/>
-                <a:cs typeface="Segoe UI" panose="020B0502040204020203" pitchFamily="34" charset="0"/>
-              </a:rPr>
-              <a:t>Baby </a:t>
-            </a:r>
-            <a:r>
-              <a:rPr lang="pt-BR" dirty="0" err="1">
-                <a:solidFill>
-                  <a:srgbClr val="123274"/>
-                </a:solidFill>
-                <a:latin typeface="Segoe UI" panose="020B0502040204020203" pitchFamily="34" charset="0"/>
-                <a:cs typeface="Segoe UI" panose="020B0502040204020203" pitchFamily="34" charset="0"/>
-              </a:rPr>
-              <a:t>steps</a:t>
-            </a:r>
-            <a:r>
-              <a:rPr lang="pt-BR" dirty="0">
-                <a:solidFill>
-                  <a:srgbClr val="123274"/>
-                </a:solidFill>
-                <a:latin typeface="Segoe UI" panose="020B0502040204020203" pitchFamily="34" charset="0"/>
-                <a:cs typeface="Segoe UI" panose="020B0502040204020203" pitchFamily="34" charset="0"/>
-              </a:rPr>
-              <a:t> é uma </a:t>
-            </a:r>
-            <a:r>
-              <a:rPr lang="pt-BR" u="sng" dirty="0">
-                <a:solidFill>
-                  <a:srgbClr val="123274"/>
-                </a:solidFill>
-                <a:latin typeface="Segoe UI" panose="020B0502040204020203" pitchFamily="34" charset="0"/>
-                <a:cs typeface="Segoe UI" panose="020B0502040204020203" pitchFamily="34" charset="0"/>
-              </a:rPr>
-              <a:t>técnica</a:t>
-            </a:r>
-            <a:r>
-              <a:rPr lang="pt-BR" dirty="0">
-                <a:solidFill>
-                  <a:srgbClr val="123274"/>
-                </a:solidFill>
-                <a:latin typeface="Segoe UI" panose="020B0502040204020203" pitchFamily="34" charset="0"/>
-                <a:cs typeface="Segoe UI" panose="020B0502040204020203" pitchFamily="34" charset="0"/>
-              </a:rPr>
-              <a:t> que consiste sempre em fazer a </a:t>
-            </a:r>
-            <a:r>
-              <a:rPr lang="pt-BR" u="sng" dirty="0">
-                <a:solidFill>
-                  <a:srgbClr val="123274"/>
-                </a:solidFill>
-                <a:latin typeface="Segoe UI" panose="020B0502040204020203" pitchFamily="34" charset="0"/>
-                <a:cs typeface="Segoe UI" panose="020B0502040204020203" pitchFamily="34" charset="0"/>
-              </a:rPr>
-              <a:t>solução mais simples</a:t>
-            </a:r>
-            <a:r>
-              <a:rPr lang="pt-BR" dirty="0">
-                <a:solidFill>
-                  <a:srgbClr val="123274"/>
-                </a:solidFill>
-                <a:latin typeface="Segoe UI" panose="020B0502040204020203" pitchFamily="34" charset="0"/>
-                <a:cs typeface="Segoe UI" panose="020B0502040204020203" pitchFamily="34" charset="0"/>
-              </a:rPr>
-              <a:t> - ou mais específica - apenas para o teste passar.</a:t>
-            </a:r>
-          </a:p>
-          <a:p>
-            <a:pPr marL="285750" indent="-285750" algn="just">
-              <a:buFont typeface="Wingdings" panose="05000000000000000000" pitchFamily="2" charset="2"/>
-              <a:buChar char="ü"/>
-            </a:pPr>
-            <a:endParaRPr lang="pt-BR" dirty="0">
-              <a:solidFill>
-                <a:srgbClr val="123274"/>
-              </a:solidFill>
-              <a:latin typeface="Segoe UI" panose="020B0502040204020203" pitchFamily="34" charset="0"/>
-              <a:cs typeface="Segoe UI" panose="020B0502040204020203" pitchFamily="34" charset="0"/>
-            </a:endParaRPr>
-          </a:p>
-          <a:p>
-            <a:pPr algn="just"/>
-            <a:endParaRPr lang="pt-BR" dirty="0">
-              <a:solidFill>
-                <a:srgbClr val="123274"/>
-              </a:solidFill>
-              <a:latin typeface="Segoe UI" panose="020B0502040204020203" pitchFamily="34" charset="0"/>
-              <a:cs typeface="Segoe UI" panose="020B0502040204020203" pitchFamily="34" charset="0"/>
-            </a:endParaRPr>
-          </a:p>
-          <a:p>
-            <a:pPr marL="285750" indent="-285750" algn="just">
-              <a:buFont typeface="Wingdings" panose="05000000000000000000" pitchFamily="2" charset="2"/>
-              <a:buChar char="ü"/>
-            </a:pPr>
-            <a:r>
-              <a:rPr lang="pt-BR" dirty="0">
-                <a:solidFill>
-                  <a:srgbClr val="123274"/>
-                </a:solidFill>
-                <a:latin typeface="Segoe UI" panose="020B0502040204020203" pitchFamily="34" charset="0"/>
-                <a:cs typeface="Segoe UI" panose="020B0502040204020203" pitchFamily="34" charset="0"/>
-              </a:rPr>
-              <a:t>Falando em fazer o teste passar... não é possível, nem viável fazer </a:t>
-            </a:r>
-            <a:r>
-              <a:rPr lang="pt-BR" u="sng" dirty="0">
-                <a:solidFill>
-                  <a:srgbClr val="123274"/>
-                </a:solidFill>
-                <a:latin typeface="Segoe UI" panose="020B0502040204020203" pitchFamily="34" charset="0"/>
-                <a:cs typeface="Segoe UI" panose="020B0502040204020203" pitchFamily="34" charset="0"/>
-              </a:rPr>
-              <a:t>teste do teste</a:t>
-            </a:r>
-            <a:r>
-              <a:rPr lang="pt-BR" dirty="0">
-                <a:solidFill>
-                  <a:srgbClr val="123274"/>
-                </a:solidFill>
-                <a:latin typeface="Segoe UI" panose="020B0502040204020203" pitchFamily="34" charset="0"/>
-                <a:cs typeface="Segoe UI" panose="020B0502040204020203" pitchFamily="34" charset="0"/>
-              </a:rPr>
-              <a:t>, então é importante sempre fazer o teste falhar o </a:t>
-            </a:r>
-            <a:r>
-              <a:rPr lang="pt-BR" u="sng" dirty="0">
-                <a:solidFill>
-                  <a:srgbClr val="123274"/>
-                </a:solidFill>
-                <a:latin typeface="Segoe UI" panose="020B0502040204020203" pitchFamily="34" charset="0"/>
-                <a:cs typeface="Segoe UI" panose="020B0502040204020203" pitchFamily="34" charset="0"/>
-              </a:rPr>
-              <a:t>mais rápido possível</a:t>
-            </a:r>
-            <a:r>
-              <a:rPr lang="pt-BR" dirty="0">
-                <a:solidFill>
-                  <a:srgbClr val="123274"/>
-                </a:solidFill>
-                <a:latin typeface="Segoe UI" panose="020B0502040204020203" pitchFamily="34" charset="0"/>
-                <a:cs typeface="Segoe UI" panose="020B0502040204020203" pitchFamily="34" charset="0"/>
-              </a:rPr>
-              <a:t>. E em seguida </a:t>
-            </a:r>
-            <a:r>
-              <a:rPr lang="pt-BR" b="1" u="sng" dirty="0">
-                <a:solidFill>
-                  <a:srgbClr val="123274"/>
-                </a:solidFill>
-                <a:latin typeface="Segoe UI" panose="020B0502040204020203" pitchFamily="34" charset="0"/>
-                <a:cs typeface="Segoe UI" panose="020B0502040204020203" pitchFamily="34" charset="0"/>
-              </a:rPr>
-              <a:t>codificar</a:t>
-            </a:r>
-            <a:r>
-              <a:rPr lang="pt-BR" u="sng" dirty="0">
-                <a:solidFill>
-                  <a:srgbClr val="123274"/>
-                </a:solidFill>
-                <a:latin typeface="Segoe UI" panose="020B0502040204020203" pitchFamily="34" charset="0"/>
-                <a:cs typeface="Segoe UI" panose="020B0502040204020203" pitchFamily="34" charset="0"/>
-              </a:rPr>
-              <a:t> e a </a:t>
-            </a:r>
-            <a:r>
-              <a:rPr lang="pt-BR" b="1" u="sng" dirty="0" err="1">
-                <a:solidFill>
-                  <a:srgbClr val="123274"/>
-                </a:solidFill>
-                <a:latin typeface="Segoe UI" panose="020B0502040204020203" pitchFamily="34" charset="0"/>
-                <a:cs typeface="Segoe UI" panose="020B0502040204020203" pitchFamily="34" charset="0"/>
-              </a:rPr>
-              <a:t>refatorar</a:t>
-            </a:r>
-            <a:r>
-              <a:rPr lang="pt-BR" dirty="0">
-                <a:solidFill>
-                  <a:srgbClr val="123274"/>
-                </a:solidFill>
-                <a:latin typeface="Segoe UI" panose="020B0502040204020203" pitchFamily="34" charset="0"/>
-                <a:cs typeface="Segoe UI" panose="020B0502040204020203" pitchFamily="34" charset="0"/>
-              </a:rPr>
-              <a:t>.</a:t>
-            </a:r>
-          </a:p>
-          <a:p>
-            <a:pPr marL="285750" indent="-285750" algn="just">
-              <a:buFont typeface="Wingdings" panose="05000000000000000000" pitchFamily="2" charset="2"/>
-              <a:buChar char="ü"/>
-            </a:pPr>
-            <a:endParaRPr lang="pt-BR" dirty="0">
-              <a:solidFill>
-                <a:srgbClr val="123274"/>
-              </a:solidFill>
-              <a:latin typeface="Segoe UI" panose="020B0502040204020203" pitchFamily="34" charset="0"/>
-              <a:cs typeface="Segoe UI" panose="020B0502040204020203" pitchFamily="34" charset="0"/>
-            </a:endParaRPr>
-          </a:p>
-          <a:p>
-            <a:pPr algn="just"/>
-            <a:r>
-              <a:rPr lang="pt-BR" dirty="0">
-                <a:solidFill>
-                  <a:srgbClr val="123274"/>
-                </a:solidFill>
-                <a:latin typeface="Segoe UI" panose="020B0502040204020203" pitchFamily="34" charset="0"/>
-                <a:cs typeface="Segoe UI" panose="020B0502040204020203" pitchFamily="34" charset="0"/>
-              </a:rPr>
-              <a:t> </a:t>
-            </a:r>
-          </a:p>
-          <a:p>
-            <a:pPr marL="285750" indent="-285750" algn="just">
-              <a:buFont typeface="Wingdings" panose="05000000000000000000" pitchFamily="2" charset="2"/>
-              <a:buChar char="ü"/>
-            </a:pPr>
-            <a:r>
-              <a:rPr lang="pt-BR" b="1" u="sng" dirty="0">
-                <a:solidFill>
-                  <a:srgbClr val="FF0000"/>
-                </a:solidFill>
-                <a:latin typeface="Segoe UI" panose="020B0502040204020203" pitchFamily="34" charset="0"/>
-                <a:cs typeface="Segoe UI" panose="020B0502040204020203" pitchFamily="34" charset="0"/>
-              </a:rPr>
-              <a:t>Maneira</a:t>
-            </a:r>
-            <a:r>
-              <a:rPr lang="pt-BR" dirty="0">
-                <a:solidFill>
-                  <a:srgbClr val="123274"/>
-                </a:solidFill>
-                <a:latin typeface="Segoe UI" panose="020B0502040204020203" pitchFamily="34" charset="0"/>
-                <a:cs typeface="Segoe UI" panose="020B0502040204020203" pitchFamily="34" charset="0"/>
-              </a:rPr>
-              <a:t> mais simples X </a:t>
-            </a:r>
-            <a:r>
-              <a:rPr lang="pt-BR" b="1" u="sng" dirty="0">
-                <a:solidFill>
-                  <a:srgbClr val="123274"/>
-                </a:solidFill>
-                <a:latin typeface="Segoe UI" panose="020B0502040204020203" pitchFamily="34" charset="0"/>
-                <a:cs typeface="Segoe UI" panose="020B0502040204020203" pitchFamily="34" charset="0"/>
-              </a:rPr>
-              <a:t>Solução</a:t>
-            </a:r>
-            <a:r>
-              <a:rPr lang="pt-BR" dirty="0">
-                <a:solidFill>
-                  <a:srgbClr val="123274"/>
-                </a:solidFill>
-                <a:latin typeface="Segoe UI" panose="020B0502040204020203" pitchFamily="34" charset="0"/>
-                <a:cs typeface="Segoe UI" panose="020B0502040204020203" pitchFamily="34" charset="0"/>
-              </a:rPr>
-              <a:t> mais simples.</a:t>
-            </a:r>
-          </a:p>
-          <a:p>
-            <a:pPr algn="just"/>
-            <a:endParaRPr lang="pt-BR" dirty="0"/>
-          </a:p>
-        </p:txBody>
-      </p:sp>
-      <p:pic>
-        <p:nvPicPr>
-          <p:cNvPr id="12" name="Picture 11" descr="A close up of a logo&#10;&#10;Description automatically generated">
-            <a:extLst>
-              <a:ext uri="{FF2B5EF4-FFF2-40B4-BE49-F238E27FC236}">
-                <a16:creationId xmlns:a16="http://schemas.microsoft.com/office/drawing/2014/main" id="{AA2CECF8-0955-43F5-AD8A-DBCBA93140B9}"/>
-              </a:ext>
-            </a:extLst>
-          </p:cNvPr>
-          <p:cNvPicPr>
-            <a:picLocks noChangeAspect="1"/>
-          </p:cNvPicPr>
-          <p:nvPr/>
-        </p:nvPicPr>
-        <p:blipFill>
-          <a:blip r:embed="rId2">
-            <a:extLst>
-              <a:ext uri="{28A0092B-C50C-407E-A947-70E740481C1C}">
-                <a14:useLocalDpi xmlns:a14="http://schemas.microsoft.com/office/drawing/2010/main" val="0"/>
-              </a:ext>
-            </a:extLst>
-          </a:blip>
-          <a:stretch>
-            <a:fillRect/>
-          </a:stretch>
-        </p:blipFill>
-        <p:spPr>
-          <a:xfrm>
-            <a:off x="7464152" y="4122454"/>
-            <a:ext cx="1413857" cy="1413857"/>
-          </a:xfrm>
-          <a:prstGeom prst="rect">
-            <a:avLst/>
-          </a:prstGeom>
-        </p:spPr>
-      </p:pic>
-    </p:spTree>
-    <p:extLst>
-      <p:ext uri="{BB962C8B-B14F-4D97-AF65-F5344CB8AC3E}">
-        <p14:creationId xmlns:p14="http://schemas.microsoft.com/office/powerpoint/2010/main" val="2877506298"/>
-      </p:ext>
-    </p:extLst>
-  </p:cSld>
-  <p:clrMapOvr>
-    <a:masterClrMapping/>
-  </p:clrMapOvr>
-  <p:transition>
-    <p:fade/>
-  </p:transition>
-</p:sld>
-</file>
-
-<file path=ppt/slides/slide5.xml><?xml version="1.0" encoding="utf-8"?>
-<p:sld xmlns:a="http://schemas.openxmlformats.org/drawingml/2006/main" xmlns:r="http://schemas.openxmlformats.org/officeDocument/2006/relationships" xmlns:p="http://schemas.openxmlformats.org/presentationml/2006/main">
-  <p:cSld>
-    <p:spTree>
-      <p:nvGrpSpPr>
-        <p:cNvPr id="1" name=""/>
-        <p:cNvGrpSpPr/>
-        <p:nvPr/>
-      </p:nvGrpSpPr>
-      <p:grpSpPr>
-        <a:xfrm>
-          <a:off x="0" y="0"/>
-          <a:ext cx="0" cy="0"/>
-          <a:chOff x="0" y="0"/>
-          <a:chExt cx="0" cy="0"/>
-        </a:xfrm>
-      </p:grpSpPr>
-      <p:sp>
-        <p:nvSpPr>
-          <p:cNvPr id="2" name="Título 1"/>
-          <p:cNvSpPr>
-            <a:spLocks noGrp="1"/>
-          </p:cNvSpPr>
-          <p:nvPr>
-            <p:ph type="title"/>
-          </p:nvPr>
-        </p:nvSpPr>
-        <p:spPr/>
-        <p:txBody>
-          <a:bodyPr/>
-          <a:lstStyle/>
-          <a:p>
-            <a:r>
-              <a:rPr lang="pt-BR" dirty="0">
-                <a:latin typeface="Segoe UI" panose="020B0502040204020203" pitchFamily="34" charset="0"/>
-                <a:cs typeface="Segoe UI" panose="020B0502040204020203" pitchFamily="34" charset="0"/>
-              </a:rPr>
-              <a:t>TDD – Baby </a:t>
-            </a:r>
-            <a:r>
-              <a:rPr lang="pt-BR" dirty="0" err="1">
-                <a:latin typeface="Segoe UI" panose="020B0502040204020203" pitchFamily="34" charset="0"/>
-                <a:cs typeface="Segoe UI" panose="020B0502040204020203" pitchFamily="34" charset="0"/>
-              </a:rPr>
-              <a:t>Steps</a:t>
-            </a:r>
-            <a:r>
-              <a:rPr lang="pt-BR" dirty="0">
-                <a:latin typeface="Segoe UI" panose="020B0502040204020203" pitchFamily="34" charset="0"/>
-                <a:cs typeface="Segoe UI" panose="020B0502040204020203" pitchFamily="34" charset="0"/>
-              </a:rPr>
-              <a:t> ou não – Dicas!!!!!</a:t>
-            </a:r>
-          </a:p>
-        </p:txBody>
-      </p:sp>
-      <p:pic>
-        <p:nvPicPr>
-          <p:cNvPr id="10" name="Picture 6" descr="A group of people in a room&#10;&#10;Description automatically generated">
-            <a:extLst>
-              <a:ext uri="{FF2B5EF4-FFF2-40B4-BE49-F238E27FC236}">
-                <a16:creationId xmlns:a16="http://schemas.microsoft.com/office/drawing/2014/main" id="{FDF7FCBF-6B05-4FFF-B251-ED4A0AD48F2B}"/>
-              </a:ext>
-            </a:extLst>
-          </p:cNvPr>
-          <p:cNvPicPr>
-            <a:picLocks noChangeAspect="1"/>
-          </p:cNvPicPr>
-          <p:nvPr/>
-        </p:nvPicPr>
-        <p:blipFill rotWithShape="1">
-          <a:blip r:embed="rId2">
-            <a:extLst>
-              <a:ext uri="{28A0092B-C50C-407E-A947-70E740481C1C}">
-                <a14:useLocalDpi xmlns:a14="http://schemas.microsoft.com/office/drawing/2010/main" val="0"/>
-              </a:ext>
-            </a:extLst>
-          </a:blip>
-          <a:srcRect l="3030" t="27587" r="3981"/>
-          <a:stretch/>
-        </p:blipFill>
-        <p:spPr>
-          <a:xfrm>
-            <a:off x="3863752" y="3019013"/>
-            <a:ext cx="4464496" cy="2492262"/>
-          </a:xfrm>
-          <a:prstGeom prst="rect">
-            <a:avLst/>
-          </a:prstGeom>
-          <a:ln>
-            <a:noFill/>
-          </a:ln>
-          <a:effectLst>
-            <a:outerShdw blurRad="292100" dist="139700" dir="2700000" algn="tl" rotWithShape="0">
-              <a:srgbClr val="333333">
-                <a:alpha val="65000"/>
-              </a:srgbClr>
-            </a:outerShdw>
-          </a:effectLst>
-        </p:spPr>
-      </p:pic>
-      <p:sp>
-        <p:nvSpPr>
-          <p:cNvPr id="11" name="TextBox 7">
-            <a:extLst>
-              <a:ext uri="{FF2B5EF4-FFF2-40B4-BE49-F238E27FC236}">
-                <a16:creationId xmlns:a16="http://schemas.microsoft.com/office/drawing/2014/main" id="{DDBF56C8-BE20-49F5-B916-EC012319BD59}"/>
-              </a:ext>
-            </a:extLst>
-          </p:cNvPr>
-          <p:cNvSpPr txBox="1"/>
-          <p:nvPr/>
-        </p:nvSpPr>
-        <p:spPr>
-          <a:xfrm>
-            <a:off x="1406479" y="1207862"/>
-            <a:ext cx="9379042" cy="1384995"/>
-          </a:xfrm>
-          <a:prstGeom prst="rect">
-            <a:avLst/>
-          </a:prstGeom>
-          <a:noFill/>
-        </p:spPr>
-        <p:txBody>
-          <a:bodyPr wrap="square" lIns="0" tIns="0" rIns="0" bIns="0" rtlCol="0">
-            <a:spAutoFit/>
-          </a:bodyPr>
-          <a:lstStyle/>
-          <a:p>
-            <a:pPr marL="285750" indent="-285750" algn="just">
-              <a:buFont typeface="Wingdings" panose="05000000000000000000" pitchFamily="2" charset="2"/>
-              <a:buChar char="ü"/>
-            </a:pPr>
-            <a:r>
-              <a:rPr lang="pt-BR" dirty="0">
-                <a:solidFill>
-                  <a:srgbClr val="123274"/>
-                </a:solidFill>
-                <a:latin typeface="Segoe UI" panose="020B0502040204020203" pitchFamily="34" charset="0"/>
-                <a:cs typeface="Segoe UI" panose="020B0502040204020203" pitchFamily="34" charset="0"/>
-              </a:rPr>
-              <a:t>Se o </a:t>
-            </a:r>
-            <a:r>
-              <a:rPr lang="pt-BR" u="sng" dirty="0">
-                <a:solidFill>
-                  <a:srgbClr val="123274"/>
-                </a:solidFill>
-                <a:latin typeface="Segoe UI" panose="020B0502040204020203" pitchFamily="34" charset="0"/>
-                <a:cs typeface="Segoe UI" panose="020B0502040204020203" pitchFamily="34" charset="0"/>
-              </a:rPr>
-              <a:t>problema</a:t>
-            </a:r>
-            <a:r>
-              <a:rPr lang="pt-BR" dirty="0">
-                <a:solidFill>
-                  <a:srgbClr val="123274"/>
-                </a:solidFill>
-                <a:latin typeface="Segoe UI" panose="020B0502040204020203" pitchFamily="34" charset="0"/>
-                <a:cs typeface="Segoe UI" panose="020B0502040204020203" pitchFamily="34" charset="0"/>
-              </a:rPr>
-              <a:t> a ser solucionado se mostrar </a:t>
-            </a:r>
-            <a:r>
-              <a:rPr lang="pt-BR" u="sng" dirty="0">
-                <a:solidFill>
-                  <a:srgbClr val="123274"/>
-                </a:solidFill>
-                <a:latin typeface="Segoe UI" panose="020B0502040204020203" pitchFamily="34" charset="0"/>
-                <a:cs typeface="Segoe UI" panose="020B0502040204020203" pitchFamily="34" charset="0"/>
-              </a:rPr>
-              <a:t>complexo</a:t>
-            </a:r>
-            <a:r>
-              <a:rPr lang="pt-BR" dirty="0">
-                <a:solidFill>
-                  <a:srgbClr val="123274"/>
-                </a:solidFill>
-                <a:latin typeface="Segoe UI" panose="020B0502040204020203" pitchFamily="34" charset="0"/>
-                <a:cs typeface="Segoe UI" panose="020B0502040204020203" pitchFamily="34" charset="0"/>
-              </a:rPr>
-              <a:t>, “</a:t>
-            </a:r>
-            <a:r>
-              <a:rPr lang="pt-BR" b="1" u="sng" dirty="0">
-                <a:solidFill>
-                  <a:srgbClr val="123274"/>
-                </a:solidFill>
-                <a:latin typeface="Segoe UI" panose="020B0502040204020203" pitchFamily="34" charset="0"/>
-                <a:cs typeface="Segoe UI" panose="020B0502040204020203" pitchFamily="34" charset="0"/>
-              </a:rPr>
-              <a:t>baby </a:t>
-            </a:r>
-            <a:r>
-              <a:rPr lang="pt-BR" b="1" u="sng" dirty="0" err="1">
-                <a:solidFill>
-                  <a:srgbClr val="123274"/>
-                </a:solidFill>
-                <a:latin typeface="Segoe UI" panose="020B0502040204020203" pitchFamily="34" charset="0"/>
-                <a:cs typeface="Segoe UI" panose="020B0502040204020203" pitchFamily="34" charset="0"/>
-              </a:rPr>
-              <a:t>steps</a:t>
-            </a:r>
-            <a:r>
-              <a:rPr lang="pt-BR" dirty="0">
-                <a:solidFill>
-                  <a:srgbClr val="123274"/>
-                </a:solidFill>
-                <a:latin typeface="Segoe UI" panose="020B0502040204020203" pitchFamily="34" charset="0"/>
-                <a:cs typeface="Segoe UI" panose="020B0502040204020203" pitchFamily="34" charset="0"/>
-              </a:rPr>
-              <a:t>” é uma sugestão muito bem-vinda.</a:t>
-            </a:r>
-          </a:p>
-          <a:p>
-            <a:pPr algn="just"/>
-            <a:endParaRPr lang="pt-BR" dirty="0">
-              <a:solidFill>
-                <a:srgbClr val="123274"/>
-              </a:solidFill>
-              <a:latin typeface="Segoe UI" panose="020B0502040204020203" pitchFamily="34" charset="0"/>
-              <a:cs typeface="Segoe UI" panose="020B0502040204020203" pitchFamily="34" charset="0"/>
-            </a:endParaRPr>
-          </a:p>
-          <a:p>
-            <a:pPr marL="285750" indent="-285750" algn="just">
-              <a:buFont typeface="Wingdings" panose="05000000000000000000" pitchFamily="2" charset="2"/>
-              <a:buChar char="ü"/>
-            </a:pPr>
-            <a:r>
-              <a:rPr lang="pt-BR" dirty="0">
-                <a:solidFill>
-                  <a:srgbClr val="123274"/>
-                </a:solidFill>
-                <a:latin typeface="Segoe UI" panose="020B0502040204020203" pitchFamily="34" charset="0"/>
-                <a:cs typeface="Segoe UI" panose="020B0502040204020203" pitchFamily="34" charset="0"/>
-              </a:rPr>
-              <a:t>A </a:t>
-            </a:r>
-            <a:r>
-              <a:rPr lang="pt-BR" u="sng" dirty="0">
-                <a:solidFill>
-                  <a:srgbClr val="123274"/>
-                </a:solidFill>
-                <a:latin typeface="Segoe UI" panose="020B0502040204020203" pitchFamily="34" charset="0"/>
-                <a:cs typeface="Segoe UI" panose="020B0502040204020203" pitchFamily="34" charset="0"/>
-              </a:rPr>
-              <a:t>experiência</a:t>
-            </a:r>
-            <a:r>
-              <a:rPr lang="pt-BR" dirty="0">
-                <a:solidFill>
-                  <a:srgbClr val="123274"/>
-                </a:solidFill>
-                <a:latin typeface="Segoe UI" panose="020B0502040204020203" pitchFamily="34" charset="0"/>
-                <a:cs typeface="Segoe UI" panose="020B0502040204020203" pitchFamily="34" charset="0"/>
-              </a:rPr>
-              <a:t> vai trazer a melhor forma de caminhar,  </a:t>
-            </a:r>
-            <a:r>
-              <a:rPr lang="pt-BR" u="sng" dirty="0">
-                <a:solidFill>
-                  <a:srgbClr val="123274"/>
-                </a:solidFill>
-                <a:latin typeface="Segoe UI" panose="020B0502040204020203" pitchFamily="34" charset="0"/>
-                <a:cs typeface="Segoe UI" panose="020B0502040204020203" pitchFamily="34" charset="0"/>
-              </a:rPr>
-              <a:t>só nunca dê um passo maior que as pernas</a:t>
-            </a:r>
-            <a:r>
-              <a:rPr lang="pt-BR" dirty="0">
-                <a:solidFill>
-                  <a:srgbClr val="123274"/>
-                </a:solidFill>
-                <a:latin typeface="Segoe UI" panose="020B0502040204020203" pitchFamily="34" charset="0"/>
-                <a:cs typeface="Segoe UI" panose="020B0502040204020203" pitchFamily="34" charset="0"/>
-              </a:rPr>
-              <a:t>. </a:t>
-            </a:r>
-          </a:p>
-        </p:txBody>
-      </p:sp>
-    </p:spTree>
-    <p:extLst>
-      <p:ext uri="{BB962C8B-B14F-4D97-AF65-F5344CB8AC3E}">
-        <p14:creationId xmlns:p14="http://schemas.microsoft.com/office/powerpoint/2010/main" val="3551290985"/>
-      </p:ext>
-    </p:extLst>
-  </p:cSld>
-  <p:clrMapOvr>
-    <a:masterClrMapping/>
-  </p:clrMapOvr>
-  <p:transition>
-    <p:fade/>
-  </p:transition>
-</p:sld>
-</file>
-
-<file path=ppt/slides/slide6.xml><?xml version="1.0" encoding="utf-8"?>
-<p:sld xmlns:a="http://schemas.openxmlformats.org/drawingml/2006/main" xmlns:r="http://schemas.openxmlformats.org/officeDocument/2006/relationships" xmlns:p="http://schemas.openxmlformats.org/presentationml/2006/main">
-  <p:cSld>
-    <p:spTree>
-      <p:nvGrpSpPr>
-        <p:cNvPr id="1" name=""/>
-        <p:cNvGrpSpPr/>
-        <p:nvPr/>
-      </p:nvGrpSpPr>
-      <p:grpSpPr>
-        <a:xfrm>
-          <a:off x="0" y="0"/>
-          <a:ext cx="0" cy="0"/>
-          <a:chOff x="0" y="0"/>
-          <a:chExt cx="0" cy="0"/>
-        </a:xfrm>
-      </p:grpSpPr>
-      <p:sp>
-        <p:nvSpPr>
-          <p:cNvPr id="6" name="Rectangle 13"/>
-          <p:cNvSpPr/>
-          <p:nvPr/>
-        </p:nvSpPr>
-        <p:spPr>
-          <a:xfrm>
-            <a:off x="335360" y="3077189"/>
-            <a:ext cx="9361040" cy="639278"/>
-          </a:xfrm>
-          <a:prstGeom prst="rect">
-            <a:avLst/>
-          </a:prstGeom>
-        </p:spPr>
-        <p:txBody>
-          <a:bodyPr wrap="square" anchor="ctr">
-            <a:spAutoFit/>
-          </a:bodyPr>
-          <a:lstStyle/>
-          <a:p>
-            <a:pPr lvl="0">
-              <a:lnSpc>
-                <a:spcPts val="4600"/>
-              </a:lnSpc>
-            </a:pPr>
-            <a:r>
-              <a:rPr lang="en-US" sz="3600" dirty="0" err="1">
-                <a:solidFill>
-                  <a:srgbClr val="FFFFFF"/>
-                </a:solidFill>
-                <a:latin typeface="Segoe UI" panose="020B0502040204020203" pitchFamily="34" charset="0"/>
-                <a:cs typeface="Segoe UI" panose="020B0502040204020203" pitchFamily="34" charset="0"/>
-              </a:rPr>
-              <a:t>Referências</a:t>
-            </a:r>
-            <a:endParaRPr lang="en-US" sz="3600" dirty="0">
-              <a:solidFill>
-                <a:srgbClr val="FFFFFF"/>
-              </a:solidFill>
-              <a:latin typeface="Segoe UI" panose="020B0502040204020203" pitchFamily="34" charset="0"/>
-              <a:cs typeface="Segoe UI" panose="020B0502040204020203" pitchFamily="34" charset="0"/>
-            </a:endParaRPr>
-          </a:p>
-        </p:txBody>
-      </p:sp>
-      <p:pic>
-        <p:nvPicPr>
-          <p:cNvPr id="3" name="Imagem 2" descr="Homem de terno e gravata&#10;&#10;Descrição gerada automaticamente">
-            <a:extLst>
-              <a:ext uri="{FF2B5EF4-FFF2-40B4-BE49-F238E27FC236}">
-                <a16:creationId xmlns:a16="http://schemas.microsoft.com/office/drawing/2014/main" id="{B7CF9731-B742-4361-B426-B113AA0D89B1}"/>
-              </a:ext>
-            </a:extLst>
-          </p:cNvPr>
-          <p:cNvPicPr>
-            <a:picLocks noChangeAspect="1"/>
-          </p:cNvPicPr>
-          <p:nvPr/>
-        </p:nvPicPr>
-        <p:blipFill>
-          <a:blip r:embed="rId2">
-            <a:extLst>
-              <a:ext uri="{28A0092B-C50C-407E-A947-70E740481C1C}">
-                <a14:useLocalDpi xmlns:a14="http://schemas.microsoft.com/office/drawing/2010/main" val="0"/>
-              </a:ext>
-            </a:extLst>
-          </a:blip>
-          <a:stretch>
-            <a:fillRect/>
-          </a:stretch>
-        </p:blipFill>
-        <p:spPr>
-          <a:xfrm>
-            <a:off x="4439816" y="2165678"/>
-            <a:ext cx="3312368" cy="2526643"/>
-          </a:xfrm>
-          <a:prstGeom prst="rect">
-            <a:avLst/>
-          </a:prstGeom>
-          <a:ln>
-            <a:noFill/>
-          </a:ln>
-          <a:effectLst>
-            <a:outerShdw blurRad="190500" algn="tl" rotWithShape="0">
-              <a:srgbClr val="000000">
-                <a:alpha val="70000"/>
-              </a:srgbClr>
-            </a:outerShdw>
-          </a:effectLst>
-        </p:spPr>
-      </p:pic>
-    </p:spTree>
-    <p:extLst>
-      <p:ext uri="{BB962C8B-B14F-4D97-AF65-F5344CB8AC3E}">
-        <p14:creationId xmlns:p14="http://schemas.microsoft.com/office/powerpoint/2010/main" val="2822912050"/>
-      </p:ext>
-    </p:extLst>
-  </p:cSld>
-  <p:clrMapOvr>
-    <a:masterClrMapping/>
-  </p:clrMapOvr>
-  <p:transition>
-    <p:fade thruBlk="1"/>
-  </p:transition>
-</p:sld>
-</file>
-
-<file path=ppt/slides/slide7.xml><?xml version="1.0" encoding="utf-8"?>
-<p:sld xmlns:a="http://schemas.openxmlformats.org/drawingml/2006/main" xmlns:r="http://schemas.openxmlformats.org/officeDocument/2006/relationships" xmlns:p="http://schemas.openxmlformats.org/presentationml/2006/main">
-  <p:cSld>
-    <p:spTree>
-      <p:nvGrpSpPr>
-        <p:cNvPr id="1" name=""/>
-        <p:cNvGrpSpPr/>
-        <p:nvPr/>
-      </p:nvGrpSpPr>
-      <p:grpSpPr>
-        <a:xfrm>
-          <a:off x="0" y="0"/>
-          <a:ext cx="0" cy="0"/>
-          <a:chOff x="0" y="0"/>
-          <a:chExt cx="0" cy="0"/>
-        </a:xfrm>
-      </p:grpSpPr>
-      <p:sp>
-        <p:nvSpPr>
           <p:cNvPr id="2" name="Título 1"/>
           <p:cNvSpPr>
             <a:spLocks noGrp="1"/>
@@ -7822,7 +6567,7 @@
           <p:nvPr>
             <p:extLst>
               <p:ext uri="{D42A27DB-BD31-4B8C-83A1-F6EECF244321}">
-                <p14:modId xmlns:p14="http://schemas.microsoft.com/office/powerpoint/2010/main" val="2088791943"/>
+                <p14:modId xmlns:p14="http://schemas.microsoft.com/office/powerpoint/2010/main" val="391581413"/>
               </p:ext>
             </p:extLst>
           </p:nvPr>
@@ -7999,6 +6744,54 @@
                       </a:endParaRPr>
                     </a:p>
                     <a:p>
+                      <a:r>
+                        <a:rPr lang="pt-BR" sz="1300" kern="1200" dirty="0">
+                          <a:solidFill>
+                            <a:schemeClr val="dk1"/>
+                          </a:solidFill>
+                          <a:latin typeface="+mn-lt"/>
+                          <a:ea typeface="+mn-ea"/>
+                          <a:cs typeface="+mn-cs"/>
+                          <a:hlinkClick r:id="rId7">
+                            <a:extLst>
+                              <a:ext uri="{A12FA001-AC4F-418D-AE19-62706E023703}">
+                                <ahyp:hlinkClr xmlns:ahyp="http://schemas.microsoft.com/office/drawing/2018/hyperlinkcolor" val="tx"/>
+                              </a:ext>
+                            </a:extLst>
+                          </a:hlinkClick>
+                        </a:rPr>
+                        <a:t>https://kata-log.rocks/baby-steps</a:t>
+                      </a:r>
+                      <a:endParaRPr lang="pt-BR" sz="1300" kern="1200" dirty="0">
+                        <a:solidFill>
+                          <a:schemeClr val="dk1"/>
+                        </a:solidFill>
+                        <a:latin typeface="+mn-lt"/>
+                        <a:ea typeface="+mn-ea"/>
+                        <a:cs typeface="+mn-cs"/>
+                      </a:endParaRPr>
+                    </a:p>
+                    <a:p>
+                      <a:endParaRPr lang="pt-BR" sz="1300" kern="1200" dirty="0">
+                        <a:solidFill>
+                          <a:schemeClr val="dk1"/>
+                        </a:solidFill>
+                        <a:latin typeface="+mn-lt"/>
+                        <a:ea typeface="+mn-ea"/>
+                        <a:cs typeface="+mn-cs"/>
+                      </a:endParaRPr>
+                    </a:p>
+                    <a:p>
+                      <a:endParaRPr lang="pt-BR" sz="1300" kern="1200" dirty="0">
+                        <a:solidFill>
+                          <a:schemeClr val="dk1"/>
+                        </a:solidFill>
+                        <a:latin typeface="+mn-lt"/>
+                        <a:ea typeface="+mn-ea"/>
+                        <a:cs typeface="+mn-cs"/>
+                      </a:endParaRPr>
+                    </a:p>
+                    <a:p>
                       <a:endParaRPr lang="pt-BR" sz="1300" kern="1200" dirty="0">
                         <a:solidFill>
                           <a:schemeClr val="dk1"/>
@@ -8049,7 +6842,7 @@
           <p:nvPr/>
         </p:nvPicPr>
         <p:blipFill>
-          <a:blip r:embed="rId7">
+          <a:blip r:embed="rId8">
             <a:extLst>
               <a:ext uri="{28A0092B-C50C-407E-A947-70E740481C1C}">
                 <a14:useLocalDpi xmlns:a14="http://schemas.microsoft.com/office/drawing/2010/main" val="0"/>
@@ -8074,6 +6867,1764 @@
     <p:extLst>
       <p:ext uri="{BB962C8B-B14F-4D97-AF65-F5344CB8AC3E}">
         <p14:creationId xmlns:p14="http://schemas.microsoft.com/office/powerpoint/2010/main" val="647798884"/>
+      </p:ext>
+    </p:extLst>
+  </p:cSld>
+  <p:clrMapOvr>
+    <a:masterClrMapping/>
+  </p:clrMapOvr>
+  <p:transition>
+    <p:fade/>
+  </p:transition>
+</p:sld>
+</file>
+
+<file path=ppt/slides/slide11.xml><?xml version="1.0" encoding="utf-8"?>
+<p:sld xmlns:a="http://schemas.openxmlformats.org/drawingml/2006/main" xmlns:r="http://schemas.openxmlformats.org/officeDocument/2006/relationships" xmlns:p="http://schemas.openxmlformats.org/presentationml/2006/main">
+  <p:cSld>
+    <p:spTree>
+      <p:nvGrpSpPr>
+        <p:cNvPr id="1" name=""/>
+        <p:cNvGrpSpPr/>
+        <p:nvPr/>
+      </p:nvGrpSpPr>
+      <p:grpSpPr>
+        <a:xfrm>
+          <a:off x="0" y="0"/>
+          <a:ext cx="0" cy="0"/>
+          <a:chOff x="0" y="0"/>
+          <a:chExt cx="0" cy="0"/>
+        </a:xfrm>
+      </p:grpSpPr>
+      <p:sp>
+        <p:nvSpPr>
+          <p:cNvPr id="4" name="Título 3">
+            <a:extLst>
+              <a:ext uri="{FF2B5EF4-FFF2-40B4-BE49-F238E27FC236}">
+                <a16:creationId xmlns:a16="http://schemas.microsoft.com/office/drawing/2014/main" id="{F349AB36-BB2C-40DC-B146-459BD494374A}"/>
+              </a:ext>
+            </a:extLst>
+          </p:cNvPr>
+          <p:cNvSpPr>
+            <a:spLocks noGrp="1"/>
+          </p:cNvSpPr>
+          <p:nvPr>
+            <p:ph type="title"/>
+          </p:nvPr>
+        </p:nvSpPr>
+        <p:spPr>
+          <a:xfrm>
+            <a:off x="407988" y="2204864"/>
+            <a:ext cx="10152508" cy="1944216"/>
+          </a:xfrm>
+        </p:spPr>
+        <p:txBody>
+          <a:bodyPr/>
+          <a:lstStyle/>
+          <a:p>
+            <a:r>
+              <a:rPr lang="pt-BR" dirty="0">
+                <a:latin typeface="Segoe UI" panose="020B0502040204020203" pitchFamily="34" charset="0"/>
+                <a:cs typeface="Segoe UI" panose="020B0502040204020203" pitchFamily="34" charset="0"/>
+              </a:rPr>
+              <a:t>TDD – Baby </a:t>
+            </a:r>
+            <a:r>
+              <a:rPr lang="pt-BR" dirty="0" err="1">
+                <a:latin typeface="Segoe UI" panose="020B0502040204020203" pitchFamily="34" charset="0"/>
+                <a:cs typeface="Segoe UI" panose="020B0502040204020203" pitchFamily="34" charset="0"/>
+              </a:rPr>
+              <a:t>Steps</a:t>
+            </a:r>
+            <a:r>
+              <a:rPr lang="pt-BR" dirty="0">
+                <a:latin typeface="Segoe UI" panose="020B0502040204020203" pitchFamily="34" charset="0"/>
+                <a:cs typeface="Segoe UI" panose="020B0502040204020203" pitchFamily="34" charset="0"/>
+              </a:rPr>
+              <a:t> ou não</a:t>
+            </a:r>
+            <a:br>
+              <a:rPr lang="pt-BR" dirty="0">
+                <a:latin typeface="Segoe UI" panose="020B0502040204020203" pitchFamily="34" charset="0"/>
+                <a:cs typeface="Segoe UI" panose="020B0502040204020203" pitchFamily="34" charset="0"/>
+              </a:rPr>
+            </a:br>
+            <a:br>
+              <a:rPr lang="pt-BR">
+                <a:latin typeface="Segoe UI" panose="020B0502040204020203" pitchFamily="34" charset="0"/>
+                <a:cs typeface="Segoe UI" panose="020B0502040204020203" pitchFamily="34" charset="0"/>
+              </a:rPr>
+            </a:br>
+            <a:r>
+              <a:rPr lang="pt-BR" sz="2000">
+                <a:solidFill>
+                  <a:schemeClr val="accent1"/>
+                </a:solidFill>
+                <a:latin typeface="Segoe UI" panose="020B0502040204020203" pitchFamily="34" charset="0"/>
+                <a:cs typeface="Segoe UI" panose="020B0502040204020203" pitchFamily="34" charset="0"/>
+              </a:rPr>
+              <a:t>lace@b3.com.br</a:t>
+            </a:r>
+            <a:endParaRPr lang="pt-BR" sz="2000" dirty="0">
+              <a:solidFill>
+                <a:schemeClr val="accent1"/>
+              </a:solidFill>
+              <a:latin typeface="Segoe UI" panose="020B0502040204020203" pitchFamily="34" charset="0"/>
+              <a:cs typeface="Segoe UI" panose="020B0502040204020203" pitchFamily="34" charset="0"/>
+            </a:endParaRPr>
+          </a:p>
+        </p:txBody>
+      </p:sp>
+      <p:pic>
+        <p:nvPicPr>
+          <p:cNvPr id="3" name="Imagem 2">
+            <a:extLst>
+              <a:ext uri="{FF2B5EF4-FFF2-40B4-BE49-F238E27FC236}">
+                <a16:creationId xmlns:a16="http://schemas.microsoft.com/office/drawing/2014/main" id="{E3F1119F-323E-4790-A525-379B1ACF935D}"/>
+              </a:ext>
+            </a:extLst>
+          </p:cNvPr>
+          <p:cNvPicPr>
+            <a:picLocks noChangeAspect="1"/>
+          </p:cNvPicPr>
+          <p:nvPr/>
+        </p:nvPicPr>
+        <p:blipFill rotWithShape="1">
+          <a:blip r:embed="rId2" cstate="print">
+            <a:extLst>
+              <a:ext uri="{28A0092B-C50C-407E-A947-70E740481C1C}">
+                <a14:useLocalDpi xmlns:a14="http://schemas.microsoft.com/office/drawing/2010/main" val="0"/>
+              </a:ext>
+            </a:extLst>
+          </a:blip>
+          <a:srcRect l="17972" r="25590"/>
+          <a:stretch/>
+        </p:blipFill>
+        <p:spPr>
+          <a:xfrm>
+            <a:off x="8760296" y="4161703"/>
+            <a:ext cx="1954620" cy="1944217"/>
+          </a:xfrm>
+          <a:prstGeom prst="ellipse">
+            <a:avLst/>
+          </a:prstGeom>
+        </p:spPr>
+      </p:pic>
+      <p:pic>
+        <p:nvPicPr>
+          <p:cNvPr id="5" name="Imagem 4" descr="Fundo preto com letras brancas&#10;&#10;Descrição gerada automaticamente">
+            <a:extLst>
+              <a:ext uri="{FF2B5EF4-FFF2-40B4-BE49-F238E27FC236}">
+                <a16:creationId xmlns:a16="http://schemas.microsoft.com/office/drawing/2014/main" id="{2AD862C3-2E42-4742-A7A7-4653110FB612}"/>
+              </a:ext>
+            </a:extLst>
+          </p:cNvPr>
+          <p:cNvPicPr>
+            <a:picLocks noChangeAspect="1"/>
+          </p:cNvPicPr>
+          <p:nvPr/>
+        </p:nvPicPr>
+        <p:blipFill rotWithShape="1">
+          <a:blip r:embed="rId3">
+            <a:extLst>
+              <a:ext uri="{28A0092B-C50C-407E-A947-70E740481C1C}">
+                <a14:useLocalDpi xmlns:a14="http://schemas.microsoft.com/office/drawing/2010/main" val="0"/>
+              </a:ext>
+            </a:extLst>
+          </a:blip>
+          <a:srcRect l="25588" t="32022" r="24801" b="30639"/>
+          <a:stretch/>
+        </p:blipFill>
+        <p:spPr>
+          <a:xfrm>
+            <a:off x="839416" y="4470308"/>
+            <a:ext cx="3096344" cy="1327005"/>
+          </a:xfrm>
+          <a:prstGeom prst="rect">
+            <a:avLst/>
+          </a:prstGeom>
+        </p:spPr>
+      </p:pic>
+    </p:spTree>
+    <p:extLst>
+      <p:ext uri="{BB962C8B-B14F-4D97-AF65-F5344CB8AC3E}">
+        <p14:creationId xmlns:p14="http://schemas.microsoft.com/office/powerpoint/2010/main" val="4019907073"/>
+      </p:ext>
+    </p:extLst>
+  </p:cSld>
+  <p:clrMapOvr>
+    <a:masterClrMapping/>
+  </p:clrMapOvr>
+  <p:transition>
+    <p:fade thruBlk="1"/>
+  </p:transition>
+</p:sld>
+</file>
+
+<file path=ppt/slides/slide2.xml><?xml version="1.0" encoding="utf-8"?>
+<p:sld xmlns:a="http://schemas.openxmlformats.org/drawingml/2006/main" xmlns:r="http://schemas.openxmlformats.org/officeDocument/2006/relationships" xmlns:p="http://schemas.openxmlformats.org/presentationml/2006/main">
+  <p:cSld>
+    <p:spTree>
+      <p:nvGrpSpPr>
+        <p:cNvPr id="1" name=""/>
+        <p:cNvGrpSpPr/>
+        <p:nvPr/>
+      </p:nvGrpSpPr>
+      <p:grpSpPr>
+        <a:xfrm>
+          <a:off x="0" y="0"/>
+          <a:ext cx="0" cy="0"/>
+          <a:chOff x="0" y="0"/>
+          <a:chExt cx="0" cy="0"/>
+        </a:xfrm>
+      </p:grpSpPr>
+      <p:sp>
+        <p:nvSpPr>
+          <p:cNvPr id="9" name="Rectangle: Rounded Corners 8">
+            <a:extLst>
+              <a:ext uri="{FF2B5EF4-FFF2-40B4-BE49-F238E27FC236}">
+                <a16:creationId xmlns:a16="http://schemas.microsoft.com/office/drawing/2014/main" id="{DEB0C2FC-B554-41B9-B146-946E13444DBB}"/>
+              </a:ext>
+            </a:extLst>
+          </p:cNvPr>
+          <p:cNvSpPr/>
+          <p:nvPr/>
+        </p:nvSpPr>
+        <p:spPr>
+          <a:xfrm>
+            <a:off x="3186350" y="2620558"/>
+            <a:ext cx="2448272" cy="1800200"/>
+          </a:xfrm>
+          <a:prstGeom prst="roundRect">
+            <a:avLst/>
+          </a:prstGeom>
+          <a:ln/>
+        </p:spPr>
+        <p:style>
+          <a:lnRef idx="1">
+            <a:schemeClr val="accent3"/>
+          </a:lnRef>
+          <a:fillRef idx="3">
+            <a:schemeClr val="accent3"/>
+          </a:fillRef>
+          <a:effectRef idx="2">
+            <a:schemeClr val="accent3"/>
+          </a:effectRef>
+          <a:fontRef idx="minor">
+            <a:schemeClr val="lt1"/>
+          </a:fontRef>
+        </p:style>
+        <p:txBody>
+          <a:bodyPr rtlCol="0" anchor="ctr"/>
+          <a:lstStyle/>
+          <a:p>
+            <a:pPr algn="ctr"/>
+            <a:endParaRPr lang="pt-BR" b="1" dirty="0"/>
+          </a:p>
+        </p:txBody>
+      </p:sp>
+      <p:sp>
+        <p:nvSpPr>
+          <p:cNvPr id="26" name="Espaço Reservado para Texto 25"/>
+          <p:cNvSpPr>
+            <a:spLocks noGrp="1"/>
+          </p:cNvSpPr>
+          <p:nvPr>
+            <p:ph type="body" sz="quarter" idx="16"/>
+          </p:nvPr>
+        </p:nvSpPr>
+        <p:spPr>
+          <a:xfrm>
+            <a:off x="335358" y="1428604"/>
+            <a:ext cx="11040533" cy="632244"/>
+          </a:xfrm>
+        </p:spPr>
+        <p:txBody>
+          <a:bodyPr>
+            <a:normAutofit/>
+          </a:bodyPr>
+          <a:lstStyle/>
+          <a:p>
+            <a:pPr algn="ctr"/>
+            <a:r>
+              <a:rPr lang="da-DK" sz="1800" dirty="0">
+                <a:solidFill>
+                  <a:srgbClr val="123274"/>
+                </a:solidFill>
+                <a:latin typeface="Segoe UI" panose="020B0502040204020203" pitchFamily="34" charset="0"/>
+                <a:cs typeface="Segoe UI" panose="020B0502040204020203" pitchFamily="34" charset="0"/>
+              </a:rPr>
+              <a:t>TDD vs BDD</a:t>
+            </a:r>
+            <a:endParaRPr lang="pt-BR" sz="1800" dirty="0">
+              <a:solidFill>
+                <a:srgbClr val="123274"/>
+              </a:solidFill>
+              <a:latin typeface="Segoe UI" panose="020B0502040204020203" pitchFamily="34" charset="0"/>
+              <a:cs typeface="Segoe UI" panose="020B0502040204020203" pitchFamily="34" charset="0"/>
+            </a:endParaRPr>
+          </a:p>
+        </p:txBody>
+      </p:sp>
+      <p:sp>
+        <p:nvSpPr>
+          <p:cNvPr id="4" name="Título 2"/>
+          <p:cNvSpPr>
+            <a:spLocks noGrp="1"/>
+          </p:cNvSpPr>
+          <p:nvPr>
+            <p:ph type="title"/>
+          </p:nvPr>
+        </p:nvSpPr>
+        <p:spPr/>
+        <p:txBody>
+          <a:bodyPr/>
+          <a:lstStyle/>
+          <a:p>
+            <a:r>
+              <a:rPr lang="pt-BR" dirty="0">
+                <a:latin typeface="Segoe UI" panose="020B0502040204020203" pitchFamily="34" charset="0"/>
+                <a:cs typeface="Segoe UI" panose="020B0502040204020203" pitchFamily="34" charset="0"/>
+              </a:rPr>
+              <a:t>Recapitulando...</a:t>
+            </a:r>
+          </a:p>
+        </p:txBody>
+      </p:sp>
+      <p:sp>
+        <p:nvSpPr>
+          <p:cNvPr id="8" name="Rectangle: Rounded Corners 7">
+            <a:extLst>
+              <a:ext uri="{FF2B5EF4-FFF2-40B4-BE49-F238E27FC236}">
+                <a16:creationId xmlns:a16="http://schemas.microsoft.com/office/drawing/2014/main" id="{F6801986-AF4D-458C-A4FB-E08BB86D6999}"/>
+              </a:ext>
+            </a:extLst>
+          </p:cNvPr>
+          <p:cNvSpPr/>
+          <p:nvPr/>
+        </p:nvSpPr>
+        <p:spPr>
+          <a:xfrm>
+            <a:off x="6064583" y="2620558"/>
+            <a:ext cx="2448272" cy="1800200"/>
+          </a:xfrm>
+          <a:prstGeom prst="roundRect">
+            <a:avLst/>
+          </a:prstGeom>
+          <a:ln/>
+        </p:spPr>
+        <p:style>
+          <a:lnRef idx="1">
+            <a:schemeClr val="accent3"/>
+          </a:lnRef>
+          <a:fillRef idx="3">
+            <a:schemeClr val="accent3"/>
+          </a:fillRef>
+          <a:effectRef idx="2">
+            <a:schemeClr val="accent3"/>
+          </a:effectRef>
+          <a:fontRef idx="minor">
+            <a:schemeClr val="lt1"/>
+          </a:fontRef>
+        </p:style>
+        <p:txBody>
+          <a:bodyPr rtlCol="0" anchor="ctr"/>
+          <a:lstStyle/>
+          <a:p>
+            <a:pPr algn="ctr"/>
+            <a:r>
+              <a:rPr lang="pt-BR" b="1" dirty="0"/>
+              <a:t>Double loop</a:t>
+            </a:r>
+          </a:p>
+        </p:txBody>
+      </p:sp>
+      <p:grpSp>
+        <p:nvGrpSpPr>
+          <p:cNvPr id="7" name="Group 6">
+            <a:extLst>
+              <a:ext uri="{FF2B5EF4-FFF2-40B4-BE49-F238E27FC236}">
+                <a16:creationId xmlns:a16="http://schemas.microsoft.com/office/drawing/2014/main" id="{EF1DA4D5-8E5D-40F3-9C82-6B0C445F518B}"/>
+              </a:ext>
+            </a:extLst>
+          </p:cNvPr>
+          <p:cNvGrpSpPr/>
+          <p:nvPr/>
+        </p:nvGrpSpPr>
+        <p:grpSpPr>
+          <a:xfrm>
+            <a:off x="3263813" y="2944594"/>
+            <a:ext cx="2292229" cy="1152128"/>
+            <a:chOff x="3363320" y="3429000"/>
+            <a:chExt cx="2292229" cy="1152128"/>
+          </a:xfrm>
+        </p:grpSpPr>
+        <p:sp>
+          <p:nvSpPr>
+            <p:cNvPr id="16" name="Oval 15">
+              <a:extLst>
+                <a:ext uri="{FF2B5EF4-FFF2-40B4-BE49-F238E27FC236}">
+                  <a16:creationId xmlns:a16="http://schemas.microsoft.com/office/drawing/2014/main" id="{BE9558AB-518B-466D-B5F2-339DEDB45357}"/>
+                </a:ext>
+              </a:extLst>
+            </p:cNvPr>
+            <p:cNvSpPr/>
+            <p:nvPr/>
+          </p:nvSpPr>
+          <p:spPr>
+            <a:xfrm>
+              <a:off x="3363320" y="3429000"/>
+              <a:ext cx="1357333" cy="1152128"/>
+            </a:xfrm>
+            <a:prstGeom prst="ellipse">
+              <a:avLst/>
+            </a:prstGeom>
+            <a:solidFill>
+              <a:schemeClr val="tx2">
+                <a:lumMod val="60000"/>
+                <a:lumOff val="40000"/>
+                <a:alpha val="40000"/>
+              </a:schemeClr>
+            </a:solidFill>
+            <a:ln>
+              <a:noFill/>
+            </a:ln>
+            <a:effectLst/>
+          </p:spPr>
+          <p:style>
+            <a:lnRef idx="1">
+              <a:schemeClr val="accent1"/>
+            </a:lnRef>
+            <a:fillRef idx="3">
+              <a:schemeClr val="accent1"/>
+            </a:fillRef>
+            <a:effectRef idx="2">
+              <a:schemeClr val="accent1"/>
+            </a:effectRef>
+            <a:fontRef idx="minor">
+              <a:schemeClr val="lt1"/>
+            </a:fontRef>
+          </p:style>
+          <p:txBody>
+            <a:bodyPr rtlCol="0" anchor="t"/>
+            <a:lstStyle/>
+            <a:p>
+              <a:pPr algn="ctr"/>
+              <a:r>
+                <a:rPr lang="pt-BR" sz="1600" dirty="0"/>
+                <a:t>TDD</a:t>
+              </a:r>
+            </a:p>
+          </p:txBody>
+        </p:sp>
+        <p:sp>
+          <p:nvSpPr>
+            <p:cNvPr id="18" name="Oval 17">
+              <a:extLst>
+                <a:ext uri="{FF2B5EF4-FFF2-40B4-BE49-F238E27FC236}">
+                  <a16:creationId xmlns:a16="http://schemas.microsoft.com/office/drawing/2014/main" id="{2E21B390-EC40-47B2-835D-23AB0D5E5A3E}"/>
+                </a:ext>
+              </a:extLst>
+            </p:cNvPr>
+            <p:cNvSpPr/>
+            <p:nvPr/>
+          </p:nvSpPr>
+          <p:spPr>
+            <a:xfrm>
+              <a:off x="4280614" y="3429000"/>
+              <a:ext cx="1374935" cy="1152128"/>
+            </a:xfrm>
+            <a:prstGeom prst="ellipse">
+              <a:avLst/>
+            </a:prstGeom>
+            <a:solidFill>
+              <a:srgbClr val="92D050">
+                <a:alpha val="40000"/>
+              </a:srgbClr>
+            </a:solidFill>
+            <a:ln>
+              <a:noFill/>
+            </a:ln>
+            <a:effectLst/>
+          </p:spPr>
+          <p:style>
+            <a:lnRef idx="1">
+              <a:schemeClr val="accent1"/>
+            </a:lnRef>
+            <a:fillRef idx="3">
+              <a:schemeClr val="accent1"/>
+            </a:fillRef>
+            <a:effectRef idx="2">
+              <a:schemeClr val="accent1"/>
+            </a:effectRef>
+            <a:fontRef idx="minor">
+              <a:schemeClr val="lt1"/>
+            </a:fontRef>
+          </p:style>
+          <p:txBody>
+            <a:bodyPr rtlCol="0" anchor="t"/>
+            <a:lstStyle/>
+            <a:p>
+              <a:pPr algn="ctr"/>
+              <a:r>
+                <a:rPr lang="pt-BR" sz="1600" dirty="0"/>
+                <a:t>BDD</a:t>
+              </a:r>
+            </a:p>
+          </p:txBody>
+        </p:sp>
+      </p:grpSp>
+    </p:spTree>
+    <p:extLst>
+      <p:ext uri="{BB962C8B-B14F-4D97-AF65-F5344CB8AC3E}">
+        <p14:creationId xmlns:p14="http://schemas.microsoft.com/office/powerpoint/2010/main" val="3695790986"/>
+      </p:ext>
+    </p:extLst>
+  </p:cSld>
+  <p:clrMapOvr>
+    <a:masterClrMapping/>
+  </p:clrMapOvr>
+  <p:transition>
+    <p:fade thruBlk="1"/>
+  </p:transition>
+</p:sld>
+</file>
+
+<file path=ppt/slides/slide3.xml><?xml version="1.0" encoding="utf-8"?>
+<p:sld xmlns:a="http://schemas.openxmlformats.org/drawingml/2006/main" xmlns:r="http://schemas.openxmlformats.org/officeDocument/2006/relationships" xmlns:p="http://schemas.openxmlformats.org/presentationml/2006/main">
+  <p:cSld>
+    <p:spTree>
+      <p:nvGrpSpPr>
+        <p:cNvPr id="1" name=""/>
+        <p:cNvGrpSpPr/>
+        <p:nvPr/>
+      </p:nvGrpSpPr>
+      <p:grpSpPr>
+        <a:xfrm>
+          <a:off x="0" y="0"/>
+          <a:ext cx="0" cy="0"/>
+          <a:chOff x="0" y="0"/>
+          <a:chExt cx="0" cy="0"/>
+        </a:xfrm>
+      </p:grpSpPr>
+      <p:sp>
+        <p:nvSpPr>
+          <p:cNvPr id="6" name="Rectangle 13"/>
+          <p:cNvSpPr/>
+          <p:nvPr/>
+        </p:nvSpPr>
+        <p:spPr>
+          <a:xfrm>
+            <a:off x="335360" y="3077189"/>
+            <a:ext cx="9865096" cy="639278"/>
+          </a:xfrm>
+          <a:prstGeom prst="rect">
+            <a:avLst/>
+          </a:prstGeom>
+        </p:spPr>
+        <p:txBody>
+          <a:bodyPr wrap="square" anchor="ctr">
+            <a:spAutoFit/>
+          </a:bodyPr>
+          <a:lstStyle/>
+          <a:p>
+            <a:pPr lvl="0">
+              <a:lnSpc>
+                <a:spcPts val="4600"/>
+              </a:lnSpc>
+            </a:pPr>
+            <a:r>
+              <a:rPr lang="pt-BR" sz="3600" dirty="0">
+                <a:solidFill>
+                  <a:srgbClr val="FFFFFF"/>
+                </a:solidFill>
+                <a:latin typeface="Segoe UI" panose="020B0502040204020203" pitchFamily="34" charset="0"/>
+                <a:cs typeface="Segoe UI" panose="020B0502040204020203" pitchFamily="34" charset="0"/>
+              </a:rPr>
+              <a:t>TDD – Baby </a:t>
+            </a:r>
+            <a:r>
+              <a:rPr lang="pt-BR" sz="3600" dirty="0" err="1">
+                <a:solidFill>
+                  <a:srgbClr val="FFFFFF"/>
+                </a:solidFill>
+                <a:latin typeface="Segoe UI" panose="020B0502040204020203" pitchFamily="34" charset="0"/>
+                <a:cs typeface="Segoe UI" panose="020B0502040204020203" pitchFamily="34" charset="0"/>
+              </a:rPr>
+              <a:t>Steps</a:t>
+            </a:r>
+            <a:endParaRPr lang="en-US" sz="3600" dirty="0">
+              <a:solidFill>
+                <a:srgbClr val="FFFFFF"/>
+              </a:solidFill>
+              <a:latin typeface="Segoe UI" panose="020B0502040204020203" pitchFamily="34" charset="0"/>
+              <a:cs typeface="Segoe UI" panose="020B0502040204020203" pitchFamily="34" charset="0"/>
+            </a:endParaRPr>
+          </a:p>
+        </p:txBody>
+      </p:sp>
+    </p:spTree>
+    <p:extLst>
+      <p:ext uri="{BB962C8B-B14F-4D97-AF65-F5344CB8AC3E}">
+        <p14:creationId xmlns:p14="http://schemas.microsoft.com/office/powerpoint/2010/main" val="2940308037"/>
+      </p:ext>
+    </p:extLst>
+  </p:cSld>
+  <p:clrMapOvr>
+    <a:masterClrMapping/>
+  </p:clrMapOvr>
+  <p:transition>
+    <p:fade thruBlk="1"/>
+  </p:transition>
+</p:sld>
+</file>
+
+<file path=ppt/slides/slide4.xml><?xml version="1.0" encoding="utf-8"?>
+<p:sld xmlns:a="http://schemas.openxmlformats.org/drawingml/2006/main" xmlns:r="http://schemas.openxmlformats.org/officeDocument/2006/relationships" xmlns:p="http://schemas.openxmlformats.org/presentationml/2006/main">
+  <p:cSld>
+    <p:spTree>
+      <p:nvGrpSpPr>
+        <p:cNvPr id="1" name=""/>
+        <p:cNvGrpSpPr/>
+        <p:nvPr/>
+      </p:nvGrpSpPr>
+      <p:grpSpPr>
+        <a:xfrm>
+          <a:off x="0" y="0"/>
+          <a:ext cx="0" cy="0"/>
+          <a:chOff x="0" y="0"/>
+          <a:chExt cx="0" cy="0"/>
+        </a:xfrm>
+      </p:grpSpPr>
+      <p:sp>
+        <p:nvSpPr>
+          <p:cNvPr id="2" name="Título 1"/>
+          <p:cNvSpPr>
+            <a:spLocks noGrp="1"/>
+          </p:cNvSpPr>
+          <p:nvPr>
+            <p:ph type="title"/>
+          </p:nvPr>
+        </p:nvSpPr>
+        <p:spPr/>
+        <p:txBody>
+          <a:bodyPr/>
+          <a:lstStyle/>
+          <a:p>
+            <a:r>
+              <a:rPr lang="pt-BR" dirty="0">
+                <a:latin typeface="Segoe UI" panose="020B0502040204020203" pitchFamily="34" charset="0"/>
+                <a:cs typeface="Segoe UI" panose="020B0502040204020203" pitchFamily="34" charset="0"/>
+              </a:rPr>
+              <a:t>TDD – Baby </a:t>
+            </a:r>
+            <a:r>
+              <a:rPr lang="pt-BR" dirty="0" err="1">
+                <a:latin typeface="Segoe UI" panose="020B0502040204020203" pitchFamily="34" charset="0"/>
+                <a:cs typeface="Segoe UI" panose="020B0502040204020203" pitchFamily="34" charset="0"/>
+              </a:rPr>
+              <a:t>Steps</a:t>
+            </a:r>
+            <a:r>
+              <a:rPr lang="pt-BR" dirty="0">
+                <a:latin typeface="Segoe UI" panose="020B0502040204020203" pitchFamily="34" charset="0"/>
+                <a:cs typeface="Segoe UI" panose="020B0502040204020203" pitchFamily="34" charset="0"/>
+              </a:rPr>
+              <a:t> ou não</a:t>
+            </a:r>
+          </a:p>
+        </p:txBody>
+      </p:sp>
+      <p:sp>
+        <p:nvSpPr>
+          <p:cNvPr id="8" name="Rectangle 1">
+            <a:extLst>
+              <a:ext uri="{FF2B5EF4-FFF2-40B4-BE49-F238E27FC236}">
+                <a16:creationId xmlns:a16="http://schemas.microsoft.com/office/drawing/2014/main" id="{D1C8E084-D956-4743-B86A-152BAE7B22D2}"/>
+              </a:ext>
+            </a:extLst>
+          </p:cNvPr>
+          <p:cNvSpPr/>
+          <p:nvPr/>
+        </p:nvSpPr>
+        <p:spPr>
+          <a:xfrm>
+            <a:off x="1257794" y="1859339"/>
+            <a:ext cx="9042408" cy="2862322"/>
+          </a:xfrm>
+          <a:prstGeom prst="rect">
+            <a:avLst/>
+          </a:prstGeom>
+        </p:spPr>
+        <p:txBody>
+          <a:bodyPr wrap="square">
+            <a:spAutoFit/>
+          </a:bodyPr>
+          <a:lstStyle/>
+          <a:p>
+            <a:pPr marL="285750" indent="-285750" algn="just">
+              <a:buFont typeface="Wingdings" panose="05000000000000000000" pitchFamily="2" charset="2"/>
+              <a:buChar char="ü"/>
+            </a:pPr>
+            <a:r>
+              <a:rPr lang="pt-BR" dirty="0">
+                <a:solidFill>
+                  <a:srgbClr val="123274"/>
+                </a:solidFill>
+                <a:latin typeface="Segoe UI" panose="020B0502040204020203" pitchFamily="34" charset="0"/>
+                <a:cs typeface="Segoe UI" panose="020B0502040204020203" pitchFamily="34" charset="0"/>
+              </a:rPr>
+              <a:t>Baby </a:t>
+            </a:r>
+            <a:r>
+              <a:rPr lang="pt-BR" dirty="0" err="1">
+                <a:solidFill>
+                  <a:srgbClr val="123274"/>
+                </a:solidFill>
+                <a:latin typeface="Segoe UI" panose="020B0502040204020203" pitchFamily="34" charset="0"/>
+                <a:cs typeface="Segoe UI" panose="020B0502040204020203" pitchFamily="34" charset="0"/>
+              </a:rPr>
+              <a:t>steps</a:t>
+            </a:r>
+            <a:r>
+              <a:rPr lang="pt-BR" dirty="0">
+                <a:solidFill>
+                  <a:srgbClr val="123274"/>
+                </a:solidFill>
+                <a:latin typeface="Segoe UI" panose="020B0502040204020203" pitchFamily="34" charset="0"/>
+                <a:cs typeface="Segoe UI" panose="020B0502040204020203" pitchFamily="34" charset="0"/>
+              </a:rPr>
+              <a:t> é uma </a:t>
+            </a:r>
+            <a:r>
+              <a:rPr lang="pt-BR" u="sng" dirty="0">
+                <a:solidFill>
+                  <a:srgbClr val="123274"/>
+                </a:solidFill>
+                <a:latin typeface="Segoe UI" panose="020B0502040204020203" pitchFamily="34" charset="0"/>
+                <a:cs typeface="Segoe UI" panose="020B0502040204020203" pitchFamily="34" charset="0"/>
+              </a:rPr>
+              <a:t>técnica</a:t>
+            </a:r>
+            <a:r>
+              <a:rPr lang="pt-BR" dirty="0">
+                <a:solidFill>
+                  <a:srgbClr val="123274"/>
+                </a:solidFill>
+                <a:latin typeface="Segoe UI" panose="020B0502040204020203" pitchFamily="34" charset="0"/>
+                <a:cs typeface="Segoe UI" panose="020B0502040204020203" pitchFamily="34" charset="0"/>
+              </a:rPr>
+              <a:t> que consiste sempre em fazer a </a:t>
+            </a:r>
+            <a:r>
+              <a:rPr lang="pt-BR" u="sng" dirty="0">
+                <a:solidFill>
+                  <a:srgbClr val="123274"/>
+                </a:solidFill>
+                <a:latin typeface="Segoe UI" panose="020B0502040204020203" pitchFamily="34" charset="0"/>
+                <a:cs typeface="Segoe UI" panose="020B0502040204020203" pitchFamily="34" charset="0"/>
+              </a:rPr>
+              <a:t>solução mais simples</a:t>
+            </a:r>
+            <a:r>
+              <a:rPr lang="pt-BR" dirty="0">
+                <a:solidFill>
+                  <a:srgbClr val="123274"/>
+                </a:solidFill>
+                <a:latin typeface="Segoe UI" panose="020B0502040204020203" pitchFamily="34" charset="0"/>
+                <a:cs typeface="Segoe UI" panose="020B0502040204020203" pitchFamily="34" charset="0"/>
+              </a:rPr>
+              <a:t> - ou mais específica - apenas para o teste passar.</a:t>
+            </a:r>
+          </a:p>
+          <a:p>
+            <a:pPr marL="285750" indent="-285750" algn="just">
+              <a:buFont typeface="Wingdings" panose="05000000000000000000" pitchFamily="2" charset="2"/>
+              <a:buChar char="ü"/>
+            </a:pPr>
+            <a:endParaRPr lang="pt-BR" dirty="0">
+              <a:solidFill>
+                <a:srgbClr val="123274"/>
+              </a:solidFill>
+              <a:latin typeface="Segoe UI" panose="020B0502040204020203" pitchFamily="34" charset="0"/>
+              <a:cs typeface="Segoe UI" panose="020B0502040204020203" pitchFamily="34" charset="0"/>
+            </a:endParaRPr>
+          </a:p>
+          <a:p>
+            <a:pPr algn="just"/>
+            <a:endParaRPr lang="pt-BR" dirty="0">
+              <a:solidFill>
+                <a:srgbClr val="123274"/>
+              </a:solidFill>
+              <a:latin typeface="Segoe UI" panose="020B0502040204020203" pitchFamily="34" charset="0"/>
+              <a:cs typeface="Segoe UI" panose="020B0502040204020203" pitchFamily="34" charset="0"/>
+            </a:endParaRPr>
+          </a:p>
+          <a:p>
+            <a:pPr marL="285750" indent="-285750" algn="just">
+              <a:buFont typeface="Wingdings" panose="05000000000000000000" pitchFamily="2" charset="2"/>
+              <a:buChar char="ü"/>
+            </a:pPr>
+            <a:r>
+              <a:rPr lang="pt-BR" dirty="0">
+                <a:solidFill>
+                  <a:srgbClr val="123274"/>
+                </a:solidFill>
+                <a:latin typeface="Segoe UI" panose="020B0502040204020203" pitchFamily="34" charset="0"/>
+                <a:cs typeface="Segoe UI" panose="020B0502040204020203" pitchFamily="34" charset="0"/>
+              </a:rPr>
+              <a:t>Pode parecer paradoxal, mas apesar de serem passos menores, a ideia é que você caminhe de forma mais segura e chegue ao objetivo mais rapidamente.</a:t>
+            </a:r>
+          </a:p>
+          <a:p>
+            <a:pPr marL="285750" indent="-285750" algn="just">
+              <a:buFont typeface="Wingdings" panose="05000000000000000000" pitchFamily="2" charset="2"/>
+              <a:buChar char="ü"/>
+            </a:pPr>
+            <a:endParaRPr lang="pt-BR" dirty="0">
+              <a:solidFill>
+                <a:srgbClr val="123274"/>
+              </a:solidFill>
+              <a:latin typeface="Segoe UI" panose="020B0502040204020203" pitchFamily="34" charset="0"/>
+              <a:cs typeface="Segoe UI" panose="020B0502040204020203" pitchFamily="34" charset="0"/>
+            </a:endParaRPr>
+          </a:p>
+          <a:p>
+            <a:pPr algn="just"/>
+            <a:r>
+              <a:rPr lang="pt-BR" dirty="0">
+                <a:solidFill>
+                  <a:srgbClr val="123274"/>
+                </a:solidFill>
+                <a:latin typeface="Segoe UI" panose="020B0502040204020203" pitchFamily="34" charset="0"/>
+                <a:cs typeface="Segoe UI" panose="020B0502040204020203" pitchFamily="34" charset="0"/>
+              </a:rPr>
+              <a:t> </a:t>
+            </a:r>
+          </a:p>
+          <a:p>
+            <a:pPr marL="285750" indent="-285750" algn="just">
+              <a:buFont typeface="Wingdings" panose="05000000000000000000" pitchFamily="2" charset="2"/>
+              <a:buChar char="ü"/>
+            </a:pPr>
+            <a:r>
+              <a:rPr lang="pt-BR" b="1" u="sng" dirty="0">
+                <a:solidFill>
+                  <a:srgbClr val="FF0000"/>
+                </a:solidFill>
+                <a:latin typeface="Segoe UI" panose="020B0502040204020203" pitchFamily="34" charset="0"/>
+                <a:cs typeface="Segoe UI" panose="020B0502040204020203" pitchFamily="34" charset="0"/>
+              </a:rPr>
+              <a:t>Maneira</a:t>
+            </a:r>
+            <a:r>
+              <a:rPr lang="pt-BR" dirty="0">
+                <a:solidFill>
+                  <a:srgbClr val="123274"/>
+                </a:solidFill>
+                <a:latin typeface="Segoe UI" panose="020B0502040204020203" pitchFamily="34" charset="0"/>
+                <a:cs typeface="Segoe UI" panose="020B0502040204020203" pitchFamily="34" charset="0"/>
+              </a:rPr>
+              <a:t> mais simples X </a:t>
+            </a:r>
+            <a:r>
+              <a:rPr lang="pt-BR" b="1" u="sng" dirty="0">
+                <a:solidFill>
+                  <a:srgbClr val="123274"/>
+                </a:solidFill>
+                <a:latin typeface="Segoe UI" panose="020B0502040204020203" pitchFamily="34" charset="0"/>
+                <a:cs typeface="Segoe UI" panose="020B0502040204020203" pitchFamily="34" charset="0"/>
+              </a:rPr>
+              <a:t>Solução</a:t>
+            </a:r>
+            <a:r>
+              <a:rPr lang="pt-BR" dirty="0">
+                <a:solidFill>
+                  <a:srgbClr val="123274"/>
+                </a:solidFill>
+                <a:latin typeface="Segoe UI" panose="020B0502040204020203" pitchFamily="34" charset="0"/>
+                <a:cs typeface="Segoe UI" panose="020B0502040204020203" pitchFamily="34" charset="0"/>
+              </a:rPr>
+              <a:t> mais simples.</a:t>
+            </a:r>
+          </a:p>
+          <a:p>
+            <a:pPr algn="just"/>
+            <a:endParaRPr lang="pt-BR" dirty="0"/>
+          </a:p>
+        </p:txBody>
+      </p:sp>
+      <p:pic>
+        <p:nvPicPr>
+          <p:cNvPr id="12" name="Picture 11" descr="A close up of a logo&#10;&#10;Description automatically generated">
+            <a:extLst>
+              <a:ext uri="{FF2B5EF4-FFF2-40B4-BE49-F238E27FC236}">
+                <a16:creationId xmlns:a16="http://schemas.microsoft.com/office/drawing/2014/main" id="{AA2CECF8-0955-43F5-AD8A-DBCBA93140B9}"/>
+              </a:ext>
+            </a:extLst>
+          </p:cNvPr>
+          <p:cNvPicPr>
+            <a:picLocks noChangeAspect="1"/>
+          </p:cNvPicPr>
+          <p:nvPr/>
+        </p:nvPicPr>
+        <p:blipFill>
+          <a:blip r:embed="rId2">
+            <a:extLst>
+              <a:ext uri="{28A0092B-C50C-407E-A947-70E740481C1C}">
+                <a14:useLocalDpi xmlns:a14="http://schemas.microsoft.com/office/drawing/2010/main" val="0"/>
+              </a:ext>
+            </a:extLst>
+          </a:blip>
+          <a:stretch>
+            <a:fillRect/>
+          </a:stretch>
+        </p:blipFill>
+        <p:spPr>
+          <a:xfrm>
+            <a:off x="7464152" y="4122454"/>
+            <a:ext cx="1413857" cy="1413857"/>
+          </a:xfrm>
+          <a:prstGeom prst="rect">
+            <a:avLst/>
+          </a:prstGeom>
+        </p:spPr>
+      </p:pic>
+    </p:spTree>
+    <p:extLst>
+      <p:ext uri="{BB962C8B-B14F-4D97-AF65-F5344CB8AC3E}">
+        <p14:creationId xmlns:p14="http://schemas.microsoft.com/office/powerpoint/2010/main" val="2877506298"/>
+      </p:ext>
+    </p:extLst>
+  </p:cSld>
+  <p:clrMapOvr>
+    <a:masterClrMapping/>
+  </p:clrMapOvr>
+  <p:transition>
+    <p:fade/>
+  </p:transition>
+</p:sld>
+</file>
+
+<file path=ppt/slides/slide5.xml><?xml version="1.0" encoding="utf-8"?>
+<p:sld xmlns:a="http://schemas.openxmlformats.org/drawingml/2006/main" xmlns:r="http://schemas.openxmlformats.org/officeDocument/2006/relationships" xmlns:p="http://schemas.openxmlformats.org/presentationml/2006/main">
+  <p:cSld>
+    <p:spTree>
+      <p:nvGrpSpPr>
+        <p:cNvPr id="1" name=""/>
+        <p:cNvGrpSpPr/>
+        <p:nvPr/>
+      </p:nvGrpSpPr>
+      <p:grpSpPr>
+        <a:xfrm>
+          <a:off x="0" y="0"/>
+          <a:ext cx="0" cy="0"/>
+          <a:chOff x="0" y="0"/>
+          <a:chExt cx="0" cy="0"/>
+        </a:xfrm>
+      </p:grpSpPr>
+      <p:sp>
+        <p:nvSpPr>
+          <p:cNvPr id="2" name="Título 1"/>
+          <p:cNvSpPr>
+            <a:spLocks noGrp="1"/>
+          </p:cNvSpPr>
+          <p:nvPr>
+            <p:ph type="title"/>
+          </p:nvPr>
+        </p:nvSpPr>
+        <p:spPr/>
+        <p:txBody>
+          <a:bodyPr/>
+          <a:lstStyle/>
+          <a:p>
+            <a:r>
+              <a:rPr lang="pt-BR" dirty="0">
+                <a:latin typeface="Segoe UI" panose="020B0502040204020203" pitchFamily="34" charset="0"/>
+                <a:cs typeface="Segoe UI" panose="020B0502040204020203" pitchFamily="34" charset="0"/>
+              </a:rPr>
+              <a:t>TDD – Baby </a:t>
+            </a:r>
+            <a:r>
+              <a:rPr lang="pt-BR" dirty="0" err="1">
+                <a:latin typeface="Segoe UI" panose="020B0502040204020203" pitchFamily="34" charset="0"/>
+                <a:cs typeface="Segoe UI" panose="020B0502040204020203" pitchFamily="34" charset="0"/>
+              </a:rPr>
+              <a:t>Steps</a:t>
+            </a:r>
+            <a:r>
+              <a:rPr lang="pt-BR" dirty="0">
+                <a:latin typeface="Segoe UI" panose="020B0502040204020203" pitchFamily="34" charset="0"/>
+                <a:cs typeface="Segoe UI" panose="020B0502040204020203" pitchFamily="34" charset="0"/>
+              </a:rPr>
+              <a:t> ou não - </a:t>
+            </a:r>
+            <a:r>
+              <a:rPr lang="pt-BR" dirty="0" err="1">
+                <a:latin typeface="Segoe UI" panose="020B0502040204020203" pitchFamily="34" charset="0"/>
+                <a:cs typeface="Segoe UI" panose="020B0502040204020203" pitchFamily="34" charset="0"/>
+              </a:rPr>
+              <a:t>Kata</a:t>
+            </a:r>
+            <a:endParaRPr lang="pt-BR" dirty="0">
+              <a:latin typeface="Segoe UI" panose="020B0502040204020203" pitchFamily="34" charset="0"/>
+              <a:cs typeface="Segoe UI" panose="020B0502040204020203" pitchFamily="34" charset="0"/>
+            </a:endParaRPr>
+          </a:p>
+        </p:txBody>
+      </p:sp>
+      <p:pic>
+        <p:nvPicPr>
+          <p:cNvPr id="4" name="Picture 3" descr="A close up of text on a whiteboard&#10;&#10;Description automatically generated">
+            <a:extLst>
+              <a:ext uri="{FF2B5EF4-FFF2-40B4-BE49-F238E27FC236}">
+                <a16:creationId xmlns:a16="http://schemas.microsoft.com/office/drawing/2014/main" id="{094E0317-C217-431D-BA9D-F07B94BE1AD7}"/>
+              </a:ext>
+            </a:extLst>
+          </p:cNvPr>
+          <p:cNvPicPr>
+            <a:picLocks noChangeAspect="1"/>
+          </p:cNvPicPr>
+          <p:nvPr/>
+        </p:nvPicPr>
+        <p:blipFill rotWithShape="1">
+          <a:blip r:embed="rId2" cstate="print">
+            <a:extLst>
+              <a:ext uri="{28A0092B-C50C-407E-A947-70E740481C1C}">
+                <a14:useLocalDpi xmlns:a14="http://schemas.microsoft.com/office/drawing/2010/main" val="0"/>
+              </a:ext>
+            </a:extLst>
+          </a:blip>
+          <a:srcRect t="8271" b="15000"/>
+          <a:stretch/>
+        </p:blipFill>
+        <p:spPr>
+          <a:xfrm>
+            <a:off x="4090045" y="1376772"/>
+            <a:ext cx="4011910" cy="4104456"/>
+          </a:xfrm>
+          <a:prstGeom prst="rect">
+            <a:avLst/>
+          </a:prstGeom>
+          <a:ln>
+            <a:noFill/>
+          </a:ln>
+          <a:effectLst>
+            <a:outerShdw blurRad="292100" dist="139700" dir="2700000" algn="tl" rotWithShape="0">
+              <a:srgbClr val="333333">
+                <a:alpha val="65000"/>
+              </a:srgbClr>
+            </a:outerShdw>
+          </a:effectLst>
+        </p:spPr>
+      </p:pic>
+    </p:spTree>
+    <p:extLst>
+      <p:ext uri="{BB962C8B-B14F-4D97-AF65-F5344CB8AC3E}">
+        <p14:creationId xmlns:p14="http://schemas.microsoft.com/office/powerpoint/2010/main" val="1271129955"/>
+      </p:ext>
+    </p:extLst>
+  </p:cSld>
+  <p:clrMapOvr>
+    <a:masterClrMapping/>
+  </p:clrMapOvr>
+  <p:transition>
+    <p:fade/>
+  </p:transition>
+</p:sld>
+</file>
+
+<file path=ppt/slides/slide6.xml><?xml version="1.0" encoding="utf-8"?>
+<p:sld xmlns:a="http://schemas.openxmlformats.org/drawingml/2006/main" xmlns:r="http://schemas.openxmlformats.org/officeDocument/2006/relationships" xmlns:p="http://schemas.openxmlformats.org/presentationml/2006/main">
+  <p:cSld>
+    <p:spTree>
+      <p:nvGrpSpPr>
+        <p:cNvPr id="1" name=""/>
+        <p:cNvGrpSpPr/>
+        <p:nvPr/>
+      </p:nvGrpSpPr>
+      <p:grpSpPr>
+        <a:xfrm>
+          <a:off x="0" y="0"/>
+          <a:ext cx="0" cy="0"/>
+          <a:chOff x="0" y="0"/>
+          <a:chExt cx="0" cy="0"/>
+        </a:xfrm>
+      </p:grpSpPr>
+      <p:sp>
+        <p:nvSpPr>
+          <p:cNvPr id="6" name="Rectangle 13"/>
+          <p:cNvSpPr/>
+          <p:nvPr/>
+        </p:nvSpPr>
+        <p:spPr>
+          <a:xfrm>
+            <a:off x="335360" y="3077189"/>
+            <a:ext cx="9865096" cy="639278"/>
+          </a:xfrm>
+          <a:prstGeom prst="rect">
+            <a:avLst/>
+          </a:prstGeom>
+        </p:spPr>
+        <p:txBody>
+          <a:bodyPr wrap="square" anchor="ctr">
+            <a:spAutoFit/>
+          </a:bodyPr>
+          <a:lstStyle/>
+          <a:p>
+            <a:pPr lvl="0">
+              <a:lnSpc>
+                <a:spcPts val="4600"/>
+              </a:lnSpc>
+            </a:pPr>
+            <a:r>
+              <a:rPr lang="pt-BR" sz="3600" dirty="0">
+                <a:solidFill>
+                  <a:srgbClr val="FFFFFF"/>
+                </a:solidFill>
+                <a:latin typeface="Segoe UI" panose="020B0502040204020203" pitchFamily="34" charset="0"/>
+                <a:cs typeface="Segoe UI" panose="020B0502040204020203" pitchFamily="34" charset="0"/>
+              </a:rPr>
+              <a:t>TDD – Baby </a:t>
+            </a:r>
+            <a:r>
+              <a:rPr lang="pt-BR" sz="3600" dirty="0" err="1">
+                <a:solidFill>
+                  <a:srgbClr val="FFFFFF"/>
+                </a:solidFill>
+                <a:latin typeface="Segoe UI" panose="020B0502040204020203" pitchFamily="34" charset="0"/>
+                <a:cs typeface="Segoe UI" panose="020B0502040204020203" pitchFamily="34" charset="0"/>
+              </a:rPr>
+              <a:t>Steps</a:t>
+            </a:r>
+            <a:r>
+              <a:rPr lang="pt-BR" sz="3600" dirty="0">
+                <a:solidFill>
+                  <a:srgbClr val="FFFFFF"/>
+                </a:solidFill>
+                <a:latin typeface="Segoe UI" panose="020B0502040204020203" pitchFamily="34" charset="0"/>
+                <a:cs typeface="Segoe UI" panose="020B0502040204020203" pitchFamily="34" charset="0"/>
+              </a:rPr>
+              <a:t> - Dicas</a:t>
+            </a:r>
+            <a:endParaRPr lang="en-US" sz="3600" dirty="0">
+              <a:solidFill>
+                <a:srgbClr val="FFFFFF"/>
+              </a:solidFill>
+              <a:latin typeface="Segoe UI" panose="020B0502040204020203" pitchFamily="34" charset="0"/>
+              <a:cs typeface="Segoe UI" panose="020B0502040204020203" pitchFamily="34" charset="0"/>
+            </a:endParaRPr>
+          </a:p>
+        </p:txBody>
+      </p:sp>
+    </p:spTree>
+    <p:extLst>
+      <p:ext uri="{BB962C8B-B14F-4D97-AF65-F5344CB8AC3E}">
+        <p14:creationId xmlns:p14="http://schemas.microsoft.com/office/powerpoint/2010/main" val="2423754153"/>
+      </p:ext>
+    </p:extLst>
+  </p:cSld>
+  <p:clrMapOvr>
+    <a:masterClrMapping/>
+  </p:clrMapOvr>
+  <p:transition>
+    <p:fade thruBlk="1"/>
+  </p:transition>
+</p:sld>
+</file>
+
+<file path=ppt/slides/slide7.xml><?xml version="1.0" encoding="utf-8"?>
+<p:sld xmlns:a="http://schemas.openxmlformats.org/drawingml/2006/main" xmlns:r="http://schemas.openxmlformats.org/officeDocument/2006/relationships" xmlns:p="http://schemas.openxmlformats.org/presentationml/2006/main">
+  <p:cSld>
+    <p:spTree>
+      <p:nvGrpSpPr>
+        <p:cNvPr id="1" name=""/>
+        <p:cNvGrpSpPr/>
+        <p:nvPr/>
+      </p:nvGrpSpPr>
+      <p:grpSpPr>
+        <a:xfrm>
+          <a:off x="0" y="0"/>
+          <a:ext cx="0" cy="0"/>
+          <a:chOff x="0" y="0"/>
+          <a:chExt cx="0" cy="0"/>
+        </a:xfrm>
+      </p:grpSpPr>
+      <p:sp>
+        <p:nvSpPr>
+          <p:cNvPr id="2" name="Título 1"/>
+          <p:cNvSpPr>
+            <a:spLocks noGrp="1"/>
+          </p:cNvSpPr>
+          <p:nvPr>
+            <p:ph type="title"/>
+          </p:nvPr>
+        </p:nvSpPr>
+        <p:spPr/>
+        <p:txBody>
+          <a:bodyPr/>
+          <a:lstStyle/>
+          <a:p>
+            <a:r>
+              <a:rPr lang="pt-BR" dirty="0">
+                <a:latin typeface="Segoe UI" panose="020B0502040204020203" pitchFamily="34" charset="0"/>
+                <a:cs typeface="Segoe UI" panose="020B0502040204020203" pitchFamily="34" charset="0"/>
+              </a:rPr>
+              <a:t>TDD – Baby </a:t>
+            </a:r>
+            <a:r>
+              <a:rPr lang="pt-BR" dirty="0" err="1">
+                <a:latin typeface="Segoe UI" panose="020B0502040204020203" pitchFamily="34" charset="0"/>
+                <a:cs typeface="Segoe UI" panose="020B0502040204020203" pitchFamily="34" charset="0"/>
+              </a:rPr>
+              <a:t>Steps</a:t>
+            </a:r>
+            <a:r>
+              <a:rPr lang="pt-BR" dirty="0">
+                <a:latin typeface="Segoe UI" panose="020B0502040204020203" pitchFamily="34" charset="0"/>
+                <a:cs typeface="Segoe UI" panose="020B0502040204020203" pitchFamily="34" charset="0"/>
+              </a:rPr>
+              <a:t> ou não – Dicas!!!!!</a:t>
+            </a:r>
+          </a:p>
+        </p:txBody>
+      </p:sp>
+      <p:sp>
+        <p:nvSpPr>
+          <p:cNvPr id="6" name="Rectangle: Rounded Corners 5">
+            <a:extLst>
+              <a:ext uri="{FF2B5EF4-FFF2-40B4-BE49-F238E27FC236}">
+                <a16:creationId xmlns:a16="http://schemas.microsoft.com/office/drawing/2014/main" id="{5A81451F-98A8-4039-95C6-9EC963C11E41}"/>
+              </a:ext>
+            </a:extLst>
+          </p:cNvPr>
+          <p:cNvSpPr/>
+          <p:nvPr/>
+        </p:nvSpPr>
+        <p:spPr>
+          <a:xfrm>
+            <a:off x="4266830" y="985299"/>
+            <a:ext cx="3024336" cy="3024336"/>
+          </a:xfrm>
+          <a:prstGeom prst="roundRect">
+            <a:avLst/>
+          </a:prstGeom>
+          <a:ln/>
+        </p:spPr>
+        <p:style>
+          <a:lnRef idx="1">
+            <a:schemeClr val="accent3"/>
+          </a:lnRef>
+          <a:fillRef idx="3">
+            <a:schemeClr val="accent3"/>
+          </a:fillRef>
+          <a:effectRef idx="2">
+            <a:schemeClr val="accent3"/>
+          </a:effectRef>
+          <a:fontRef idx="minor">
+            <a:schemeClr val="lt1"/>
+          </a:fontRef>
+        </p:style>
+        <p:txBody>
+          <a:bodyPr rtlCol="0" anchor="ctr"/>
+          <a:lstStyle/>
+          <a:p>
+            <a:pPr algn="ctr"/>
+            <a:r>
+              <a:rPr lang="pt-BR" sz="1600" b="1" dirty="0"/>
+              <a:t>Incialmente, se você tem </a:t>
+            </a:r>
+            <a:r>
+              <a:rPr lang="pt-BR" sz="1600" b="1" u="sng" dirty="0">
+                <a:solidFill>
+                  <a:srgbClr val="FFFF00"/>
+                </a:solidFill>
+              </a:rPr>
+              <a:t>dificuldade em começar</a:t>
+            </a:r>
+            <a:r>
+              <a:rPr lang="pt-BR" sz="1600" b="1" dirty="0"/>
+              <a:t> pelo teste que falha, até pegar a </a:t>
+            </a:r>
+            <a:r>
+              <a:rPr lang="pt-BR" sz="1600" b="1" u="sng" dirty="0">
+                <a:solidFill>
+                  <a:srgbClr val="FFFF00"/>
+                </a:solidFill>
+              </a:rPr>
+              <a:t>prática</a:t>
+            </a:r>
+            <a:r>
+              <a:rPr lang="pt-BR" sz="1600" b="1" dirty="0"/>
+              <a:t>, crie métodos "vazios" que atenderão ao teste e apenas </a:t>
+            </a:r>
+            <a:r>
+              <a:rPr lang="pt-BR" sz="1600" b="1" u="sng" dirty="0">
+                <a:solidFill>
+                  <a:srgbClr val="FFFF00"/>
+                </a:solidFill>
+              </a:rPr>
+              <a:t>retorne uma </a:t>
+            </a:r>
+            <a:r>
+              <a:rPr lang="pt-BR" sz="1600" b="1" u="sng" dirty="0" err="1">
+                <a:solidFill>
+                  <a:srgbClr val="FFFF00"/>
+                </a:solidFill>
+              </a:rPr>
+              <a:t>exception</a:t>
+            </a:r>
+            <a:r>
+              <a:rPr lang="pt-BR" sz="1600" b="1" dirty="0"/>
+              <a:t> com uma </a:t>
+            </a:r>
+            <a:r>
+              <a:rPr lang="pt-BR" sz="1600" b="1" u="sng" dirty="0">
+                <a:solidFill>
+                  <a:srgbClr val="FFFF00"/>
+                </a:solidFill>
+              </a:rPr>
+              <a:t>mensagem significativa</a:t>
+            </a:r>
+            <a:r>
+              <a:rPr lang="pt-BR" sz="1600" b="1" dirty="0"/>
+              <a:t>, assim, os testes irão rodar, mas também falharão pelas </a:t>
+            </a:r>
+            <a:r>
+              <a:rPr lang="pt-BR" sz="1600" b="1" dirty="0" err="1"/>
+              <a:t>exceptions</a:t>
+            </a:r>
+            <a:r>
+              <a:rPr lang="pt-BR" sz="1600" b="1" dirty="0"/>
+              <a:t>.</a:t>
+            </a:r>
+          </a:p>
+        </p:txBody>
+      </p:sp>
+      <p:sp>
+        <p:nvSpPr>
+          <p:cNvPr id="7" name="Rectangle: Rounded Corners 6">
+            <a:extLst>
+              <a:ext uri="{FF2B5EF4-FFF2-40B4-BE49-F238E27FC236}">
+                <a16:creationId xmlns:a16="http://schemas.microsoft.com/office/drawing/2014/main" id="{6D6884E5-1172-4258-B9A9-7883D426E23C}"/>
+              </a:ext>
+            </a:extLst>
+          </p:cNvPr>
+          <p:cNvSpPr/>
+          <p:nvPr/>
+        </p:nvSpPr>
+        <p:spPr>
+          <a:xfrm>
+            <a:off x="7694704" y="985299"/>
+            <a:ext cx="3024336" cy="3024336"/>
+          </a:xfrm>
+          <a:prstGeom prst="roundRect">
+            <a:avLst/>
+          </a:prstGeom>
+          <a:ln/>
+        </p:spPr>
+        <p:style>
+          <a:lnRef idx="1">
+            <a:schemeClr val="accent3"/>
+          </a:lnRef>
+          <a:fillRef idx="3">
+            <a:schemeClr val="accent3"/>
+          </a:fillRef>
+          <a:effectRef idx="2">
+            <a:schemeClr val="accent3"/>
+          </a:effectRef>
+          <a:fontRef idx="minor">
+            <a:schemeClr val="lt1"/>
+          </a:fontRef>
+        </p:style>
+        <p:txBody>
+          <a:bodyPr rtlCol="0" anchor="ctr"/>
+          <a:lstStyle/>
+          <a:p>
+            <a:pPr algn="ctr"/>
+            <a:r>
+              <a:rPr lang="pt-BR" sz="1600" b="1" dirty="0"/>
+              <a:t> Testes são compostos de: a ideia de um </a:t>
+            </a:r>
+            <a:r>
+              <a:rPr lang="pt-BR" sz="1600" b="1" u="sng" dirty="0">
+                <a:solidFill>
+                  <a:srgbClr val="FFFF00"/>
+                </a:solidFill>
+              </a:rPr>
+              <a:t>cenário</a:t>
+            </a:r>
+            <a:r>
+              <a:rPr lang="pt-BR" sz="1600" b="1" dirty="0"/>
+              <a:t>, uma </a:t>
+            </a:r>
+            <a:r>
+              <a:rPr lang="pt-BR" sz="1600" b="1" u="sng" dirty="0">
+                <a:solidFill>
+                  <a:srgbClr val="FFFF00"/>
+                </a:solidFill>
+              </a:rPr>
+              <a:t>ação</a:t>
+            </a:r>
+            <a:r>
+              <a:rPr lang="pt-BR" sz="1600" b="1" dirty="0"/>
+              <a:t> e um </a:t>
+            </a:r>
+            <a:r>
+              <a:rPr lang="pt-BR" sz="1600" b="1" u="sng" dirty="0">
+                <a:solidFill>
+                  <a:srgbClr val="FFFF00"/>
+                </a:solidFill>
+              </a:rPr>
+              <a:t>resultado</a:t>
+            </a:r>
+            <a:r>
+              <a:rPr lang="pt-BR" sz="1600" b="1" dirty="0"/>
+              <a:t> esperado. </a:t>
+            </a:r>
+            <a:r>
+              <a:rPr lang="pt-BR" sz="1600" b="1" u="sng" dirty="0">
+                <a:solidFill>
+                  <a:srgbClr val="FFFF00"/>
+                </a:solidFill>
+              </a:rPr>
+              <a:t>Nomeie</a:t>
+            </a:r>
+            <a:r>
+              <a:rPr lang="pt-BR" sz="1600" b="1" dirty="0"/>
+              <a:t> cada teste de um cenário como </a:t>
+            </a:r>
+            <a:r>
+              <a:rPr lang="pt-BR" sz="1600" b="1" u="sng" dirty="0" err="1">
+                <a:solidFill>
+                  <a:srgbClr val="FFFF00"/>
+                </a:solidFill>
+              </a:rPr>
+              <a:t>whenAlgoAcontece_thenResultadoEsperado</a:t>
+            </a:r>
+            <a:r>
+              <a:rPr lang="pt-BR" sz="1600" b="1" u="sng" dirty="0">
+                <a:solidFill>
+                  <a:srgbClr val="FFFF00"/>
+                </a:solidFill>
+              </a:rPr>
+              <a:t>()</a:t>
+            </a:r>
+            <a:r>
+              <a:rPr lang="pt-BR" sz="1600" b="1" dirty="0"/>
+              <a:t>.</a:t>
+            </a:r>
+          </a:p>
+        </p:txBody>
+      </p:sp>
+      <p:sp>
+        <p:nvSpPr>
+          <p:cNvPr id="8" name="Rectangle: Rounded Corners 7">
+            <a:extLst>
+              <a:ext uri="{FF2B5EF4-FFF2-40B4-BE49-F238E27FC236}">
+                <a16:creationId xmlns:a16="http://schemas.microsoft.com/office/drawing/2014/main" id="{432FAFD0-B11C-4225-A87B-83E3E6D9EEE7}"/>
+              </a:ext>
+            </a:extLst>
+          </p:cNvPr>
+          <p:cNvSpPr/>
+          <p:nvPr/>
+        </p:nvSpPr>
+        <p:spPr>
+          <a:xfrm>
+            <a:off x="838956" y="985299"/>
+            <a:ext cx="3024336" cy="3024336"/>
+          </a:xfrm>
+          <a:prstGeom prst="roundRect">
+            <a:avLst/>
+          </a:prstGeom>
+          <a:ln/>
+        </p:spPr>
+        <p:style>
+          <a:lnRef idx="1">
+            <a:schemeClr val="accent3"/>
+          </a:lnRef>
+          <a:fillRef idx="3">
+            <a:schemeClr val="accent3"/>
+          </a:fillRef>
+          <a:effectRef idx="2">
+            <a:schemeClr val="accent3"/>
+          </a:effectRef>
+          <a:fontRef idx="minor">
+            <a:schemeClr val="lt1"/>
+          </a:fontRef>
+        </p:style>
+        <p:txBody>
+          <a:bodyPr rtlCol="0" anchor="ctr"/>
+          <a:lstStyle/>
+          <a:p>
+            <a:pPr algn="ctr"/>
+            <a:r>
+              <a:rPr lang="pt-BR" sz="1600" b="1" dirty="0"/>
+              <a:t> Se o </a:t>
+            </a:r>
+            <a:r>
+              <a:rPr lang="pt-BR" sz="1600" b="1" u="sng" dirty="0">
+                <a:solidFill>
+                  <a:srgbClr val="FFFF00"/>
+                </a:solidFill>
+              </a:rPr>
+              <a:t>problema</a:t>
+            </a:r>
+            <a:r>
+              <a:rPr lang="pt-BR" sz="1600" b="1" dirty="0"/>
+              <a:t> a ser solucionado se mostrar </a:t>
+            </a:r>
+            <a:r>
+              <a:rPr lang="pt-BR" sz="1600" b="1" u="sng" dirty="0">
+                <a:solidFill>
+                  <a:srgbClr val="FFFF00"/>
+                </a:solidFill>
+              </a:rPr>
+              <a:t>complexo </a:t>
+            </a:r>
+            <a:r>
+              <a:rPr lang="pt-BR" sz="1600" b="1" dirty="0"/>
+              <a:t>ou manutenção em</a:t>
+            </a:r>
+            <a:r>
+              <a:rPr lang="pt-BR" sz="1600" b="1" u="sng" dirty="0">
+                <a:solidFill>
+                  <a:srgbClr val="FFFF00"/>
+                </a:solidFill>
+              </a:rPr>
+              <a:t> código legado procedural</a:t>
+            </a:r>
+            <a:r>
+              <a:rPr lang="pt-BR" sz="1600" b="1" dirty="0"/>
+              <a:t>, “</a:t>
+            </a:r>
+            <a:r>
+              <a:rPr lang="pt-BR" sz="1600" b="1" u="sng" dirty="0">
+                <a:solidFill>
+                  <a:srgbClr val="FFFF00"/>
+                </a:solidFill>
+              </a:rPr>
+              <a:t>baby </a:t>
+            </a:r>
+            <a:r>
+              <a:rPr lang="pt-BR" sz="1600" b="1" u="sng" dirty="0" err="1">
+                <a:solidFill>
+                  <a:srgbClr val="FFFF00"/>
+                </a:solidFill>
+              </a:rPr>
+              <a:t>steps</a:t>
+            </a:r>
+            <a:r>
+              <a:rPr lang="pt-BR" sz="1600" b="1" dirty="0"/>
+              <a:t>” é uma sugestão muito bem-vinda.</a:t>
+            </a:r>
+          </a:p>
+          <a:p>
+            <a:pPr algn="ctr"/>
+            <a:endParaRPr lang="pt-BR" sz="1600" b="1" dirty="0"/>
+          </a:p>
+        </p:txBody>
+      </p:sp>
+      <p:sp>
+        <p:nvSpPr>
+          <p:cNvPr id="9" name="Rectangle: Rounded Corners 8">
+            <a:extLst>
+              <a:ext uri="{FF2B5EF4-FFF2-40B4-BE49-F238E27FC236}">
+                <a16:creationId xmlns:a16="http://schemas.microsoft.com/office/drawing/2014/main" id="{5F85283D-60E7-48D4-8667-D9E5AC9DB6CA}"/>
+              </a:ext>
+            </a:extLst>
+          </p:cNvPr>
+          <p:cNvSpPr/>
+          <p:nvPr/>
+        </p:nvSpPr>
+        <p:spPr>
+          <a:xfrm>
+            <a:off x="7694704" y="4339723"/>
+            <a:ext cx="3024336" cy="2100251"/>
+          </a:xfrm>
+          <a:prstGeom prst="roundRect">
+            <a:avLst/>
+          </a:prstGeom>
+          <a:ln/>
+        </p:spPr>
+        <p:style>
+          <a:lnRef idx="1">
+            <a:schemeClr val="accent3"/>
+          </a:lnRef>
+          <a:fillRef idx="3">
+            <a:schemeClr val="accent3"/>
+          </a:fillRef>
+          <a:effectRef idx="2">
+            <a:schemeClr val="accent3"/>
+          </a:effectRef>
+          <a:fontRef idx="minor">
+            <a:schemeClr val="lt1"/>
+          </a:fontRef>
+        </p:style>
+        <p:txBody>
+          <a:bodyPr rtlCol="0" anchor="ctr"/>
+          <a:lstStyle/>
+          <a:p>
+            <a:pPr algn="ctr"/>
+            <a:r>
+              <a:rPr lang="pt-BR" sz="1600" b="1" dirty="0"/>
+              <a:t> </a:t>
+            </a:r>
+            <a:r>
+              <a:rPr lang="pt-BR" sz="1600" b="1" u="sng" dirty="0">
+                <a:solidFill>
+                  <a:srgbClr val="FF0000"/>
+                </a:solidFill>
+              </a:rPr>
+              <a:t>Não</a:t>
+            </a:r>
+            <a:r>
+              <a:rPr lang="pt-BR" sz="1600" b="1" dirty="0"/>
+              <a:t> use </a:t>
+            </a:r>
+            <a:r>
+              <a:rPr lang="pt-BR" sz="1600" b="1" u="sng" dirty="0">
+                <a:solidFill>
+                  <a:srgbClr val="FFFF00"/>
+                </a:solidFill>
+              </a:rPr>
+              <a:t>dependência entre testes</a:t>
+            </a:r>
+          </a:p>
+        </p:txBody>
+      </p:sp>
+      <p:sp>
+        <p:nvSpPr>
+          <p:cNvPr id="12" name="Rectangle: Rounded Corners 11">
+            <a:extLst>
+              <a:ext uri="{FF2B5EF4-FFF2-40B4-BE49-F238E27FC236}">
+                <a16:creationId xmlns:a16="http://schemas.microsoft.com/office/drawing/2014/main" id="{9F577F5D-9AFB-4DCD-8994-5349DD10E0FE}"/>
+              </a:ext>
+            </a:extLst>
+          </p:cNvPr>
+          <p:cNvSpPr/>
+          <p:nvPr/>
+        </p:nvSpPr>
+        <p:spPr>
+          <a:xfrm>
+            <a:off x="4266830" y="4339722"/>
+            <a:ext cx="3024336" cy="2100251"/>
+          </a:xfrm>
+          <a:prstGeom prst="roundRect">
+            <a:avLst/>
+          </a:prstGeom>
+          <a:ln/>
+        </p:spPr>
+        <p:style>
+          <a:lnRef idx="1">
+            <a:schemeClr val="accent3"/>
+          </a:lnRef>
+          <a:fillRef idx="3">
+            <a:schemeClr val="accent3"/>
+          </a:fillRef>
+          <a:effectRef idx="2">
+            <a:schemeClr val="accent3"/>
+          </a:effectRef>
+          <a:fontRef idx="minor">
+            <a:schemeClr val="lt1"/>
+          </a:fontRef>
+        </p:style>
+        <p:txBody>
+          <a:bodyPr rtlCol="0" anchor="ctr"/>
+          <a:lstStyle/>
+          <a:p>
+            <a:pPr algn="ctr"/>
+            <a:r>
+              <a:rPr lang="pt-BR" sz="1600" b="1" u="sng" dirty="0">
+                <a:solidFill>
+                  <a:srgbClr val="FF0000"/>
+                </a:solidFill>
+              </a:rPr>
+              <a:t>Não</a:t>
+            </a:r>
+            <a:r>
+              <a:rPr lang="pt-BR" sz="1600" b="1" dirty="0"/>
+              <a:t> ponha </a:t>
+            </a:r>
+            <a:r>
+              <a:rPr lang="pt-BR" sz="1600" b="1" u="sng" dirty="0">
+                <a:solidFill>
+                  <a:srgbClr val="FFFF00"/>
+                </a:solidFill>
+              </a:rPr>
+              <a:t>lógica de negócio </a:t>
+            </a:r>
+            <a:r>
+              <a:rPr lang="pt-BR" sz="1600" b="1" dirty="0"/>
+              <a:t>nos testes</a:t>
+            </a:r>
+          </a:p>
+        </p:txBody>
+      </p:sp>
+      <p:sp>
+        <p:nvSpPr>
+          <p:cNvPr id="13" name="Rectangle: Rounded Corners 12">
+            <a:extLst>
+              <a:ext uri="{FF2B5EF4-FFF2-40B4-BE49-F238E27FC236}">
+                <a16:creationId xmlns:a16="http://schemas.microsoft.com/office/drawing/2014/main" id="{F190BD4D-7B88-43B8-B174-1C0C2429D019}"/>
+              </a:ext>
+            </a:extLst>
+          </p:cNvPr>
+          <p:cNvSpPr/>
+          <p:nvPr/>
+        </p:nvSpPr>
+        <p:spPr>
+          <a:xfrm>
+            <a:off x="838956" y="4339722"/>
+            <a:ext cx="3024336" cy="2100251"/>
+          </a:xfrm>
+          <a:prstGeom prst="roundRect">
+            <a:avLst/>
+          </a:prstGeom>
+          <a:ln/>
+        </p:spPr>
+        <p:style>
+          <a:lnRef idx="1">
+            <a:schemeClr val="accent3"/>
+          </a:lnRef>
+          <a:fillRef idx="3">
+            <a:schemeClr val="accent3"/>
+          </a:fillRef>
+          <a:effectRef idx="2">
+            <a:schemeClr val="accent3"/>
+          </a:effectRef>
+          <a:fontRef idx="minor">
+            <a:schemeClr val="lt1"/>
+          </a:fontRef>
+        </p:style>
+        <p:txBody>
+          <a:bodyPr rtlCol="0" anchor="ctr"/>
+          <a:lstStyle/>
+          <a:p>
+            <a:pPr algn="ctr"/>
+            <a:r>
+              <a:rPr lang="pt-BR" sz="1600" b="1" dirty="0"/>
+              <a:t>Teste </a:t>
+            </a:r>
+            <a:r>
+              <a:rPr lang="pt-BR" sz="1600" b="1" u="sng" dirty="0">
+                <a:solidFill>
+                  <a:srgbClr val="FFFF00"/>
+                </a:solidFill>
+              </a:rPr>
+              <a:t>uma</a:t>
+            </a:r>
+            <a:r>
+              <a:rPr lang="pt-BR" sz="1600" b="1" dirty="0"/>
+              <a:t> coisa por vez</a:t>
+            </a:r>
+          </a:p>
+        </p:txBody>
+      </p:sp>
+    </p:spTree>
+    <p:extLst>
+      <p:ext uri="{BB962C8B-B14F-4D97-AF65-F5344CB8AC3E}">
+        <p14:creationId xmlns:p14="http://schemas.microsoft.com/office/powerpoint/2010/main" val="2280744949"/>
       </p:ext>
     </p:extLst>
   </p:cSld>
@@ -8105,13 +8656,7 @@
       </p:grpSpPr>
       <p:sp>
         <p:nvSpPr>
-          <p:cNvPr id="4" name="Título 3">
-            <a:extLst>
-              <a:ext uri="{FF2B5EF4-FFF2-40B4-BE49-F238E27FC236}">
-                <a16:creationId xmlns:a16="http://schemas.microsoft.com/office/drawing/2014/main" id="{F349AB36-BB2C-40DC-B146-459BD494374A}"/>
-              </a:ext>
-            </a:extLst>
-          </p:cNvPr>
+          <p:cNvPr id="2" name="Título 1"/>
           <p:cNvSpPr>
             <a:spLocks noGrp="1"/>
           </p:cNvSpPr>
@@ -8119,12 +8664,7 @@
             <p:ph type="title"/>
           </p:nvPr>
         </p:nvSpPr>
-        <p:spPr>
-          <a:xfrm>
-            <a:off x="407988" y="2204864"/>
-            <a:ext cx="10152508" cy="1944216"/>
-          </a:xfrm>
-        </p:spPr>
+        <p:spPr/>
         <p:txBody>
           <a:bodyPr/>
           <a:lstStyle/>
@@ -8148,55 +8688,17 @@
                 <a:latin typeface="Segoe UI" panose="020B0502040204020203" pitchFamily="34" charset="0"/>
                 <a:cs typeface="Segoe UI" panose="020B0502040204020203" pitchFamily="34" charset="0"/>
               </a:rPr>
-              <a:t> ou não</a:t>
-            </a:r>
-            <a:br>
-              <a:rPr lang="pt-BR" dirty="0">
-                <a:latin typeface="Segoe UI" panose="020B0502040204020203" pitchFamily="34" charset="0"/>
-                <a:cs typeface="Segoe UI" panose="020B0502040204020203" pitchFamily="34" charset="0"/>
-              </a:rPr>
-            </a:br>
-            <a:br>
-              <a:rPr lang="pt-BR" dirty="0">
-                <a:latin typeface="Segoe UI" panose="020B0502040204020203" pitchFamily="34" charset="0"/>
-                <a:cs typeface="Segoe UI" panose="020B0502040204020203" pitchFamily="34" charset="0"/>
-              </a:rPr>
-            </a:br>
-            <a:r>
-              <a:rPr lang="pt-BR" sz="2000" dirty="0">
-                <a:solidFill>
-                  <a:schemeClr val="accent1"/>
-                </a:solidFill>
-                <a:latin typeface="Segoe UI" panose="020B0502040204020203" pitchFamily="34" charset="0"/>
-                <a:cs typeface="Segoe UI" panose="020B0502040204020203" pitchFamily="34" charset="0"/>
-              </a:rPr>
-              <a:t>prestador-paulo.kolbe@b3.com.br/</a:t>
-            </a:r>
-            <a:br>
-              <a:rPr lang="pt-BR" sz="2000" dirty="0">
-                <a:latin typeface="Segoe UI" panose="020B0502040204020203" pitchFamily="34" charset="0"/>
-                <a:cs typeface="Segoe UI" panose="020B0502040204020203" pitchFamily="34" charset="0"/>
-              </a:rPr>
-            </a:br>
-            <a:r>
-              <a:rPr lang="pt-BR" sz="2000" dirty="0">
-                <a:solidFill>
-                  <a:schemeClr val="accent1"/>
-                </a:solidFill>
-                <a:latin typeface="Segoe UI" panose="020B0502040204020203" pitchFamily="34" charset="0"/>
-                <a:cs typeface="Segoe UI" panose="020B0502040204020203" pitchFamily="34" charset="0"/>
-              </a:rPr>
-              <a:t>paulo.kolbe@gft.com</a:t>
+              <a:t> ou não – Dicas!!!!!</a:t>
             </a:r>
           </a:p>
         </p:txBody>
       </p:sp>
       <p:pic>
         <p:nvPicPr>
-          <p:cNvPr id="3" name="Imagem 2">
+          <p:cNvPr id="10" name="Picture 6" descr="A group of people in a room&#10;&#10;Description automatically generated">
             <a:extLst>
               <a:ext uri="{FF2B5EF4-FFF2-40B4-BE49-F238E27FC236}">
-                <a16:creationId xmlns:a16="http://schemas.microsoft.com/office/drawing/2014/main" id="{E3F1119F-323E-4790-A525-379B1ACF935D}"/>
+                <a16:creationId xmlns:a16="http://schemas.microsoft.com/office/drawing/2014/main" id="{FDF7FCBF-6B05-4FFF-B251-ED4A0AD48F2B}"/>
               </a:ext>
             </a:extLst>
           </p:cNvPr>
@@ -8206,32 +8708,216 @@
           <p:nvPr/>
         </p:nvPicPr>
         <p:blipFill rotWithShape="1">
-          <a:blip r:embed="rId2" cstate="print">
+          <a:blip r:embed="rId2">
             <a:extLst>
               <a:ext uri="{28A0092B-C50C-407E-A947-70E740481C1C}">
                 <a14:useLocalDpi xmlns:a14="http://schemas.microsoft.com/office/drawing/2010/main" val="0"/>
               </a:ext>
             </a:extLst>
           </a:blip>
-          <a:srcRect l="17972" r="25590"/>
+          <a:srcRect l="3030" t="27587" r="3981"/>
           <a:stretch/>
         </p:blipFill>
         <p:spPr>
           <a:xfrm>
-            <a:off x="8760296" y="4161703"/>
-            <a:ext cx="1954620" cy="1944217"/>
-          </a:xfrm>
-          <a:prstGeom prst="ellipse">
-            <a:avLst/>
-          </a:prstGeom>
+            <a:off x="5246195" y="1954684"/>
+            <a:ext cx="5282011" cy="2948632"/>
+          </a:xfrm>
+          <a:prstGeom prst="rect">
+            <a:avLst/>
+          </a:prstGeom>
+          <a:ln>
+            <a:noFill/>
+          </a:ln>
+          <a:effectLst>
+            <a:outerShdw blurRad="292100" dist="139700" dir="2700000" algn="tl" rotWithShape="0">
+              <a:srgbClr val="333333">
+                <a:alpha val="65000"/>
+              </a:srgbClr>
+            </a:outerShdw>
+          </a:effectLst>
         </p:spPr>
       </p:pic>
+      <p:sp>
+        <p:nvSpPr>
+          <p:cNvPr id="11" name="TextBox 7">
+            <a:extLst>
+              <a:ext uri="{FF2B5EF4-FFF2-40B4-BE49-F238E27FC236}">
+                <a16:creationId xmlns:a16="http://schemas.microsoft.com/office/drawing/2014/main" id="{DDBF56C8-BE20-49F5-B916-EC012319BD59}"/>
+              </a:ext>
+            </a:extLst>
+          </p:cNvPr>
+          <p:cNvSpPr txBox="1"/>
+          <p:nvPr/>
+        </p:nvSpPr>
+        <p:spPr>
+          <a:xfrm>
+            <a:off x="911424" y="2736502"/>
+            <a:ext cx="3393377" cy="1384995"/>
+          </a:xfrm>
+          <a:prstGeom prst="rect">
+            <a:avLst/>
+          </a:prstGeom>
+          <a:noFill/>
+        </p:spPr>
+        <p:txBody>
+          <a:bodyPr wrap="square" lIns="0" tIns="0" rIns="0" bIns="0" rtlCol="0">
+            <a:spAutoFit/>
+          </a:bodyPr>
+          <a:lstStyle/>
+          <a:p>
+            <a:pPr algn="just"/>
+            <a:endParaRPr lang="pt-BR" dirty="0">
+              <a:solidFill>
+                <a:srgbClr val="123274"/>
+              </a:solidFill>
+              <a:latin typeface="Segoe UI" panose="020B0502040204020203" pitchFamily="34" charset="0"/>
+              <a:cs typeface="Segoe UI" panose="020B0502040204020203" pitchFamily="34" charset="0"/>
+            </a:endParaRPr>
+          </a:p>
+          <a:p>
+            <a:pPr marL="285750" indent="-285750" algn="just">
+              <a:buFont typeface="Wingdings" panose="05000000000000000000" pitchFamily="2" charset="2"/>
+              <a:buChar char="ü"/>
+            </a:pPr>
+            <a:r>
+              <a:rPr lang="pt-BR" dirty="0">
+                <a:solidFill>
+                  <a:srgbClr val="123274"/>
+                </a:solidFill>
+                <a:latin typeface="Segoe UI" panose="020B0502040204020203" pitchFamily="34" charset="0"/>
+                <a:cs typeface="Segoe UI" panose="020B0502040204020203" pitchFamily="34" charset="0"/>
+              </a:rPr>
+              <a:t>A </a:t>
+            </a:r>
+            <a:r>
+              <a:rPr lang="pt-BR" u="sng" dirty="0">
+                <a:solidFill>
+                  <a:srgbClr val="123274"/>
+                </a:solidFill>
+                <a:latin typeface="Segoe UI" panose="020B0502040204020203" pitchFamily="34" charset="0"/>
+                <a:cs typeface="Segoe UI" panose="020B0502040204020203" pitchFamily="34" charset="0"/>
+              </a:rPr>
+              <a:t>experiência e a prática</a:t>
+            </a:r>
+            <a:r>
+              <a:rPr lang="pt-BR" dirty="0">
+                <a:solidFill>
+                  <a:srgbClr val="123274"/>
+                </a:solidFill>
+                <a:latin typeface="Segoe UI" panose="020B0502040204020203" pitchFamily="34" charset="0"/>
+                <a:cs typeface="Segoe UI" panose="020B0502040204020203" pitchFamily="34" charset="0"/>
+              </a:rPr>
+              <a:t> trarão a melhor forma de caminhar,  </a:t>
+            </a:r>
+            <a:r>
+              <a:rPr lang="pt-BR" u="sng" dirty="0">
+                <a:solidFill>
+                  <a:srgbClr val="123274"/>
+                </a:solidFill>
+                <a:latin typeface="Segoe UI" panose="020B0502040204020203" pitchFamily="34" charset="0"/>
+                <a:cs typeface="Segoe UI" panose="020B0502040204020203" pitchFamily="34" charset="0"/>
+              </a:rPr>
+              <a:t>só nunca dê um passo maior que as pernas</a:t>
+            </a:r>
+            <a:r>
+              <a:rPr lang="pt-BR" dirty="0">
+                <a:solidFill>
+                  <a:srgbClr val="123274"/>
+                </a:solidFill>
+                <a:latin typeface="Segoe UI" panose="020B0502040204020203" pitchFamily="34" charset="0"/>
+                <a:cs typeface="Segoe UI" panose="020B0502040204020203" pitchFamily="34" charset="0"/>
+              </a:rPr>
+              <a:t>. </a:t>
+            </a:r>
+          </a:p>
+        </p:txBody>
+      </p:sp>
+    </p:spTree>
+    <p:extLst>
+      <p:ext uri="{BB962C8B-B14F-4D97-AF65-F5344CB8AC3E}">
+        <p14:creationId xmlns:p14="http://schemas.microsoft.com/office/powerpoint/2010/main" val="3551290985"/>
+      </p:ext>
+    </p:extLst>
+  </p:cSld>
+  <p:clrMapOvr>
+    <a:masterClrMapping/>
+  </p:clrMapOvr>
+  <p:transition>
+    <p:fade/>
+  </p:transition>
+</p:sld>
+</file>
+
+<file path=ppt/slides/slide9.xml><?xml version="1.0" encoding="utf-8"?>
+<p:sld xmlns:a="http://schemas.openxmlformats.org/drawingml/2006/main" xmlns:r="http://schemas.openxmlformats.org/officeDocument/2006/relationships" xmlns:p="http://schemas.openxmlformats.org/presentationml/2006/main">
+  <p:cSld>
+    <p:spTree>
+      <p:nvGrpSpPr>
+        <p:cNvPr id="1" name=""/>
+        <p:cNvGrpSpPr/>
+        <p:nvPr/>
+      </p:nvGrpSpPr>
+      <p:grpSpPr>
+        <a:xfrm>
+          <a:off x="0" y="0"/>
+          <a:ext cx="0" cy="0"/>
+          <a:chOff x="0" y="0"/>
+          <a:chExt cx="0" cy="0"/>
+        </a:xfrm>
+      </p:grpSpPr>
+      <p:sp>
+        <p:nvSpPr>
+          <p:cNvPr id="6" name="Rectangle 13"/>
+          <p:cNvSpPr/>
+          <p:nvPr/>
+        </p:nvSpPr>
+        <p:spPr>
+          <a:xfrm>
+            <a:off x="335360" y="3077189"/>
+            <a:ext cx="9361040" cy="639278"/>
+          </a:xfrm>
+          <a:prstGeom prst="rect">
+            <a:avLst/>
+          </a:prstGeom>
+        </p:spPr>
+        <p:txBody>
+          <a:bodyPr wrap="square" anchor="ctr">
+            <a:spAutoFit/>
+          </a:bodyPr>
+          <a:lstStyle/>
+          <a:p>
+            <a:pPr lvl="0">
+              <a:lnSpc>
+                <a:spcPts val="4600"/>
+              </a:lnSpc>
+            </a:pPr>
+            <a:r>
+              <a:rPr lang="en-US" sz="3600" dirty="0" err="1">
+                <a:solidFill>
+                  <a:srgbClr val="FFFFFF"/>
+                </a:solidFill>
+                <a:latin typeface="Segoe UI" panose="020B0502040204020203" pitchFamily="34" charset="0"/>
+                <a:cs typeface="Segoe UI" panose="020B0502040204020203" pitchFamily="34" charset="0"/>
+              </a:rPr>
+              <a:t>Referências</a:t>
+            </a:r>
+            <a:endParaRPr lang="en-US" sz="3600" dirty="0">
+              <a:solidFill>
+                <a:srgbClr val="FFFFFF"/>
+              </a:solidFill>
+              <a:latin typeface="Segoe UI" panose="020B0502040204020203" pitchFamily="34" charset="0"/>
+              <a:cs typeface="Segoe UI" panose="020B0502040204020203" pitchFamily="34" charset="0"/>
+            </a:endParaRPr>
+          </a:p>
+        </p:txBody>
+      </p:sp>
       <p:pic>
         <p:nvPicPr>
-          <p:cNvPr id="5" name="Imagem 4" descr="Fundo preto com letras brancas&#10;&#10;Descrição gerada automaticamente">
+          <p:cNvPr id="3" name="Imagem 2" descr="Homem de terno e gravata&#10;&#10;Descrição gerada automaticamente">
             <a:extLst>
               <a:ext uri="{FF2B5EF4-FFF2-40B4-BE49-F238E27FC236}">
-                <a16:creationId xmlns:a16="http://schemas.microsoft.com/office/drawing/2014/main" id="{2AD862C3-2E42-4742-A7A7-4653110FB612}"/>
+                <a16:creationId xmlns:a16="http://schemas.microsoft.com/office/drawing/2014/main" id="{B7CF9731-B742-4361-B426-B113AA0D89B1}"/>
               </a:ext>
             </a:extLst>
           </p:cNvPr>
@@ -8240,31 +8926,42 @@
           </p:cNvPicPr>
           <p:nvPr/>
         </p:nvPicPr>
-        <p:blipFill rotWithShape="1">
-          <a:blip r:embed="rId3">
+        <p:blipFill>
+          <a:blip r:embed="rId2">
             <a:extLst>
               <a:ext uri="{28A0092B-C50C-407E-A947-70E740481C1C}">
                 <a14:useLocalDpi xmlns:a14="http://schemas.microsoft.com/office/drawing/2010/main" val="0"/>
               </a:ext>
             </a:extLst>
           </a:blip>
-          <a:srcRect l="25588" t="32022" r="24801" b="30639"/>
-          <a:stretch/>
+          <a:stretch>
+            <a:fillRect/>
+          </a:stretch>
         </p:blipFill>
         <p:spPr>
           <a:xfrm>
-            <a:off x="839416" y="4470308"/>
-            <a:ext cx="3096344" cy="1327005"/>
+            <a:off x="4439816" y="2165678"/>
+            <a:ext cx="3312368" cy="2526643"/>
           </a:xfrm>
           <a:prstGeom prst="rect">
             <a:avLst/>
           </a:prstGeom>
+          <a:ln>
+            <a:noFill/>
+          </a:ln>
+          <a:effectLst>
+            <a:outerShdw blurRad="190500" algn="tl" rotWithShape="0">
+              <a:srgbClr val="000000">
+                <a:alpha val="70000"/>
+              </a:srgbClr>
+            </a:outerShdw>
+          </a:effectLst>
         </p:spPr>
       </p:pic>
     </p:spTree>
     <p:extLst>
       <p:ext uri="{BB962C8B-B14F-4D97-AF65-F5344CB8AC3E}">
-        <p14:creationId xmlns:p14="http://schemas.microsoft.com/office/powerpoint/2010/main" val="4019907073"/>
+        <p14:creationId xmlns:p14="http://schemas.microsoft.com/office/powerpoint/2010/main" val="2822912050"/>
       </p:ext>
     </p:extLst>
   </p:cSld>
@@ -9178,6 +9875,15 @@
 </file>
 
 <file path=customXml/item1.xml><?xml version="1.0" encoding="utf-8"?>
+<p:properties xmlns:p="http://schemas.microsoft.com/office/2006/metadata/properties" xmlns:xsi="http://www.w3.org/2001/XMLSchema-instance" xmlns:pc="http://schemas.microsoft.com/office/infopath/2007/PartnerControls">
+  <documentManagement>
+    <PublishingExpirationDate xmlns="http://schemas.microsoft.com/sharepoint/v3" xsi:nil="true"/>
+    <PublishingStartDate xmlns="http://schemas.microsoft.com/sharepoint/v3" xsi:nil="true"/>
+  </documentManagement>
+</p:properties>
+</file>
+
+<file path=customXml/item2.xml><?xml version="1.0" encoding="utf-8"?>
 <ct:contentTypeSchema xmlns:ct="http://schemas.microsoft.com/office/2006/metadata/contentType" xmlns:ma="http://schemas.microsoft.com/office/2006/metadata/properties/metaAttributes" ct:_="" ma:_="" ma:contentTypeName="Documento" ma:contentTypeID="0x0101001996EFEF7D0459479C2B077F9CC506F4" ma:contentTypeVersion="10" ma:contentTypeDescription="Crie um novo documento." ma:contentTypeScope="" ma:versionID="43cd10b64f265b7dd32059be640333a9">
   <xsd:schema xmlns:xsd="http://www.w3.org/2001/XMLSchema" xmlns:xs="http://www.w3.org/2001/XMLSchema" xmlns:p="http://schemas.microsoft.com/office/2006/metadata/properties" xmlns:ns1="http://schemas.microsoft.com/sharepoint/v3" xmlns:ns2="80facd6c-f04a-426f-adbd-b3840a7840bd" xmlns:ns3="d33496c5-bd94-446e-a363-fca1fec0d15a" targetNamespace="http://schemas.microsoft.com/office/2006/metadata/properties" ma:root="true" ma:fieldsID="0d6b128c5ce9545d0d2912f9a975af95" ns1:_="" ns2:_="" ns3:_="">
     <xsd:import namespace="http://schemas.microsoft.com/sharepoint/v3"/>
@@ -9391,7 +10097,7 @@
 </ct:contentTypeSchema>
 </file>
 
-<file path=customXml/item2.xml><?xml version="1.0" encoding="utf-8"?>
+<file path=customXml/item3.xml><?xml version="1.0" encoding="utf-8"?>
 <?mso-contentType ?>
 <FormTemplates xmlns="http://schemas.microsoft.com/sharepoint/v3/contenttype/forms">
   <Display>DocumentLibraryForm</Display>
@@ -9400,16 +10106,17 @@
 </FormTemplates>
 </file>
 
-<file path=customXml/item3.xml><?xml version="1.0" encoding="utf-8"?>
-<p:properties xmlns:p="http://schemas.microsoft.com/office/2006/metadata/properties" xmlns:xsi="http://www.w3.org/2001/XMLSchema-instance" xmlns:pc="http://schemas.microsoft.com/office/infopath/2007/PartnerControls">
-  <documentManagement>
-    <PublishingExpirationDate xmlns="http://schemas.microsoft.com/sharepoint/v3" xsi:nil="true"/>
-    <PublishingStartDate xmlns="http://schemas.microsoft.com/sharepoint/v3" xsi:nil="true"/>
-  </documentManagement>
-</p:properties>
+<file path=customXml/itemProps1.xml><?xml version="1.0" encoding="utf-8"?>
+<ds:datastoreItem xmlns:ds="http://schemas.openxmlformats.org/officeDocument/2006/customXml" ds:itemID="{BEF3FD83-2601-46A9-AA9B-655B326F1C5E}">
+  <ds:schemaRefs>
+    <ds:schemaRef ds:uri="http://schemas.microsoft.com/office/2006/metadata/properties"/>
+    <ds:schemaRef ds:uri="http://schemas.microsoft.com/office/infopath/2007/PartnerControls"/>
+    <ds:schemaRef ds:uri="http://schemas.microsoft.com/sharepoint/v3"/>
+  </ds:schemaRefs>
+</ds:datastoreItem>
 </file>
 
-<file path=customXml/itemProps1.xml><?xml version="1.0" encoding="utf-8"?>
+<file path=customXml/itemProps2.xml><?xml version="1.0" encoding="utf-8"?>
 <ds:datastoreItem xmlns:ds="http://schemas.openxmlformats.org/officeDocument/2006/customXml" ds:itemID="{AB30B8D0-9C02-4061-951A-8B7B3A86F5B0}">
   <ds:schemaRefs>
     <ds:schemaRef ds:uri="http://schemas.microsoft.com/office/2006/metadata/contentType"/>
@@ -9429,20 +10136,10 @@
 </ds:datastoreItem>
 </file>
 
-<file path=customXml/itemProps2.xml><?xml version="1.0" encoding="utf-8"?>
+<file path=customXml/itemProps3.xml><?xml version="1.0" encoding="utf-8"?>
 <ds:datastoreItem xmlns:ds="http://schemas.openxmlformats.org/officeDocument/2006/customXml" ds:itemID="{98DACE87-CD74-4C35-ADF8-12B4276F2F66}">
   <ds:schemaRefs>
     <ds:schemaRef ds:uri="http://schemas.microsoft.com/sharepoint/v3/contenttype/forms"/>
   </ds:schemaRefs>
 </ds:datastoreItem>
-</file>
-
-<file path=customXml/itemProps3.xml><?xml version="1.0" encoding="utf-8"?>
-<ds:datastoreItem xmlns:ds="http://schemas.openxmlformats.org/officeDocument/2006/customXml" ds:itemID="{BEF3FD83-2601-46A9-AA9B-655B326F1C5E}">
-  <ds:schemaRefs>
-    <ds:schemaRef ds:uri="http://schemas.microsoft.com/office/2006/metadata/properties"/>
-    <ds:schemaRef ds:uri="http://schemas.microsoft.com/office/infopath/2007/PartnerControls"/>
-    <ds:schemaRef ds:uri="http://schemas.microsoft.com/sharepoint/v3"/>
-  </ds:schemaRefs>
-</ds:datastoreItem>
 </file>